--- a/화면 구성/화면구성(미완)_2020-08-19.pptx
+++ b/화면 구성/화면구성(미완)_2020-08-19.pptx
@@ -8,6 +8,8 @@
     <p:sldId id="256" r:id="rId2"/>
     <p:sldId id="257" r:id="rId3"/>
     <p:sldId id="258" r:id="rId4"/>
+    <p:sldId id="259" r:id="rId5"/>
+    <p:sldId id="260" r:id="rId6"/>
   </p:sldIdLst>
   <p:sldSz cx="9144000" cy="6858000" type="screen4x3"/>
   <p:notesSz cx="6858000" cy="9144000"/>
@@ -3550,7 +3552,7 @@
         <p:spPr>
           <a:xfrm>
             <a:off x="179512" y="218669"/>
-            <a:ext cx="2952328" cy="369332"/>
+            <a:ext cx="3744416" cy="369332"/>
           </a:xfrm>
           <a:prstGeom prst="rect">
             <a:avLst/>
@@ -3585,7 +3587,23 @@
                   <a:schemeClr val="bg1"/>
                 </a:solidFill>
               </a:rPr>
-              <a:t>.</a:t>
+              <a:t>.(</a:t>
+            </a:r>
+            <a:r>
+              <a:rPr lang="ko-KR" altLang="en-US" b="1" u="sng" dirty="0" smtClean="0">
+                <a:solidFill>
+                  <a:schemeClr val="bg1"/>
+                </a:solidFill>
+              </a:rPr>
+              <a:t>수정하기</a:t>
+            </a:r>
+            <a:r>
+              <a:rPr lang="en-US" altLang="ko-KR" b="1" dirty="0" smtClean="0">
+                <a:solidFill>
+                  <a:schemeClr val="bg1"/>
+                </a:solidFill>
+              </a:rPr>
+              <a:t>)</a:t>
             </a:r>
             <a:endParaRPr lang="ko-KR" altLang="en-US" b="1" dirty="0">
               <a:solidFill>
@@ -3888,7 +3906,6 @@
               <a:rPr lang="ko-KR" altLang="en-US" dirty="0"/>
               <a:t>호</a:t>
             </a:r>
-            <a:endParaRPr lang="ko-KR" altLang="en-US" dirty="0"/>
           </a:p>
         </p:txBody>
       </p:sp>
@@ -4040,7 +4057,7 @@
         </p:nvSpPr>
         <p:spPr>
           <a:xfrm>
-            <a:off x="5678388" y="2510581"/>
+            <a:off x="5531884" y="2510581"/>
             <a:ext cx="1917948" cy="369332"/>
           </a:xfrm>
           <a:prstGeom prst="rect">
@@ -4578,6 +4595,733 @@
     <p:extLst>
       <p:ext uri="{BB962C8B-B14F-4D97-AF65-F5344CB8AC3E}">
         <p14:creationId xmlns:p14="http://schemas.microsoft.com/office/powerpoint/2010/main" val="4227032364"/>
+      </p:ext>
+    </p:extLst>
+  </p:cSld>
+  <p:clrMapOvr>
+    <a:masterClrMapping/>
+  </p:clrMapOvr>
+</p:sld>
+</file>
+
+<file path=ppt/slides/slide4.xml><?xml version="1.0" encoding="utf-8"?>
+<p:sld xmlns:a="http://schemas.openxmlformats.org/drawingml/2006/main" xmlns:r="http://schemas.openxmlformats.org/officeDocument/2006/relationships" xmlns:p="http://schemas.openxmlformats.org/presentationml/2006/main">
+  <p:cSld>
+    <p:spTree>
+      <p:nvGrpSpPr>
+        <p:cNvPr id="1" name=""/>
+        <p:cNvGrpSpPr/>
+        <p:nvPr/>
+      </p:nvGrpSpPr>
+      <p:grpSpPr>
+        <a:xfrm>
+          <a:off x="0" y="0"/>
+          <a:ext cx="0" cy="0"/>
+          <a:chOff x="0" y="0"/>
+          <a:chExt cx="0" cy="0"/>
+        </a:xfrm>
+      </p:grpSpPr>
+      <p:sp>
+        <p:nvSpPr>
+          <p:cNvPr id="6" name="직사각형 5"/>
+          <p:cNvSpPr/>
+          <p:nvPr/>
+        </p:nvSpPr>
+        <p:spPr>
+          <a:xfrm>
+            <a:off x="0" y="0"/>
+            <a:ext cx="9144000" cy="764704"/>
+          </a:xfrm>
+          <a:prstGeom prst="rect">
+            <a:avLst/>
+          </a:prstGeom>
+          <a:solidFill>
+            <a:schemeClr val="bg2">
+              <a:lumMod val="50000"/>
+            </a:schemeClr>
+          </a:solidFill>
+          <a:ln>
+            <a:solidFill>
+              <a:schemeClr val="bg2">
+                <a:lumMod val="50000"/>
+              </a:schemeClr>
+            </a:solidFill>
+          </a:ln>
+        </p:spPr>
+        <p:style>
+          <a:lnRef idx="2">
+            <a:schemeClr val="accent1">
+              <a:shade val="50000"/>
+            </a:schemeClr>
+          </a:lnRef>
+          <a:fillRef idx="1">
+            <a:schemeClr val="accent1"/>
+          </a:fillRef>
+          <a:effectRef idx="0">
+            <a:schemeClr val="accent1"/>
+          </a:effectRef>
+          <a:fontRef idx="minor">
+            <a:schemeClr val="lt1"/>
+          </a:fontRef>
+        </p:style>
+        <p:txBody>
+          <a:bodyPr rtlCol="0" anchor="ctr"/>
+          <a:lstStyle/>
+          <a:p>
+            <a:pPr algn="ctr"/>
+            <a:endParaRPr lang="ko-KR" altLang="en-US"/>
+          </a:p>
+        </p:txBody>
+      </p:sp>
+      <p:sp>
+        <p:nvSpPr>
+          <p:cNvPr id="7" name="TextBox 6"/>
+          <p:cNvSpPr txBox="1"/>
+          <p:nvPr/>
+        </p:nvSpPr>
+        <p:spPr>
+          <a:xfrm>
+            <a:off x="7020272" y="197686"/>
+            <a:ext cx="2340260" cy="369332"/>
+          </a:xfrm>
+          <a:prstGeom prst="rect">
+            <a:avLst/>
+          </a:prstGeom>
+          <a:noFill/>
+        </p:spPr>
+        <p:txBody>
+          <a:bodyPr wrap="square" rtlCol="0">
+            <a:spAutoFit/>
+          </a:bodyPr>
+          <a:lstStyle/>
+          <a:p>
+            <a:r>
+              <a:rPr lang="en-US" altLang="ko-KR" b="1" dirty="0" err="1" smtClean="0">
+                <a:solidFill>
+                  <a:schemeClr val="bg1"/>
+                </a:solidFill>
+              </a:rPr>
+              <a:t>OpenAPI</a:t>
+            </a:r>
+            <a:r>
+              <a:rPr lang="en-US" altLang="ko-KR" b="1" dirty="0" smtClean="0">
+                <a:solidFill>
+                  <a:schemeClr val="bg1"/>
+                </a:solidFill>
+              </a:rPr>
+              <a:t> OJT</a:t>
+            </a:r>
+            <a:endParaRPr lang="ko-KR" altLang="en-US" b="1" dirty="0">
+              <a:solidFill>
+                <a:schemeClr val="bg1"/>
+              </a:solidFill>
+            </a:endParaRPr>
+          </a:p>
+        </p:txBody>
+      </p:sp>
+      <p:sp>
+        <p:nvSpPr>
+          <p:cNvPr id="9" name="TextBox 8"/>
+          <p:cNvSpPr txBox="1"/>
+          <p:nvPr/>
+        </p:nvSpPr>
+        <p:spPr>
+          <a:xfrm>
+            <a:off x="179512" y="218669"/>
+            <a:ext cx="2952328" cy="369332"/>
+          </a:xfrm>
+          <a:prstGeom prst="rect">
+            <a:avLst/>
+          </a:prstGeom>
+          <a:noFill/>
+        </p:spPr>
+        <p:txBody>
+          <a:bodyPr wrap="square" rtlCol="0">
+            <a:spAutoFit/>
+          </a:bodyPr>
+          <a:lstStyle/>
+          <a:p>
+            <a:r>
+              <a:rPr lang="ko-KR" altLang="en-US" b="1" dirty="0" err="1" smtClean="0">
+                <a:solidFill>
+                  <a:schemeClr val="bg1"/>
+                </a:solidFill>
+              </a:rPr>
+              <a:t>김국민님</a:t>
+            </a:r>
+            <a:r>
+              <a:rPr lang="ko-KR" altLang="en-US" b="1" dirty="0" smtClean="0">
+                <a:solidFill>
+                  <a:schemeClr val="bg1"/>
+                </a:solidFill>
+              </a:rPr>
+              <a:t> 환영합니다</a:t>
+            </a:r>
+            <a:r>
+              <a:rPr lang="en-US" altLang="ko-KR" b="1" dirty="0" smtClean="0">
+                <a:solidFill>
+                  <a:schemeClr val="bg1"/>
+                </a:solidFill>
+              </a:rPr>
+              <a:t>.</a:t>
+            </a:r>
+            <a:endParaRPr lang="ko-KR" altLang="en-US" b="1" dirty="0">
+              <a:solidFill>
+                <a:schemeClr val="bg1"/>
+              </a:solidFill>
+            </a:endParaRPr>
+          </a:p>
+        </p:txBody>
+      </p:sp>
+      <p:sp>
+        <p:nvSpPr>
+          <p:cNvPr id="19" name="직사각형 18"/>
+          <p:cNvSpPr/>
+          <p:nvPr/>
+        </p:nvSpPr>
+        <p:spPr>
+          <a:xfrm>
+            <a:off x="1288388" y="2276872"/>
+            <a:ext cx="6567224" cy="3222427"/>
+          </a:xfrm>
+          <a:prstGeom prst="rect">
+            <a:avLst/>
+          </a:prstGeom>
+          <a:solidFill>
+            <a:schemeClr val="bg1"/>
+          </a:solidFill>
+          <a:ln>
+            <a:solidFill>
+              <a:schemeClr val="bg2">
+                <a:lumMod val="50000"/>
+              </a:schemeClr>
+            </a:solidFill>
+          </a:ln>
+        </p:spPr>
+        <p:style>
+          <a:lnRef idx="2">
+            <a:schemeClr val="accent1">
+              <a:shade val="50000"/>
+            </a:schemeClr>
+          </a:lnRef>
+          <a:fillRef idx="1">
+            <a:schemeClr val="accent1"/>
+          </a:fillRef>
+          <a:effectRef idx="0">
+            <a:schemeClr val="accent1"/>
+          </a:effectRef>
+          <a:fontRef idx="minor">
+            <a:schemeClr val="lt1"/>
+          </a:fontRef>
+        </p:style>
+        <p:txBody>
+          <a:bodyPr rtlCol="0" anchor="ctr"/>
+          <a:lstStyle/>
+          <a:p>
+            <a:pPr algn="ctr"/>
+            <a:endParaRPr lang="ko-KR" altLang="en-US"/>
+          </a:p>
+        </p:txBody>
+      </p:sp>
+      <p:sp>
+        <p:nvSpPr>
+          <p:cNvPr id="23" name="직사각형 22"/>
+          <p:cNvSpPr/>
+          <p:nvPr/>
+        </p:nvSpPr>
+        <p:spPr>
+          <a:xfrm>
+            <a:off x="7236296" y="5622644"/>
+            <a:ext cx="504056" cy="180020"/>
+          </a:xfrm>
+          <a:prstGeom prst="rect">
+            <a:avLst/>
+          </a:prstGeom>
+          <a:solidFill>
+            <a:schemeClr val="bg2">
+              <a:lumMod val="50000"/>
+            </a:schemeClr>
+          </a:solidFill>
+          <a:ln>
+            <a:solidFill>
+              <a:schemeClr val="bg2">
+                <a:lumMod val="50000"/>
+              </a:schemeClr>
+            </a:solidFill>
+          </a:ln>
+        </p:spPr>
+        <p:style>
+          <a:lnRef idx="2">
+            <a:schemeClr val="accent1">
+              <a:shade val="50000"/>
+            </a:schemeClr>
+          </a:lnRef>
+          <a:fillRef idx="1">
+            <a:schemeClr val="accent1"/>
+          </a:fillRef>
+          <a:effectRef idx="0">
+            <a:schemeClr val="accent1"/>
+          </a:effectRef>
+          <a:fontRef idx="minor">
+            <a:schemeClr val="lt1"/>
+          </a:fontRef>
+        </p:style>
+        <p:txBody>
+          <a:bodyPr rtlCol="0" anchor="ctr"/>
+          <a:lstStyle/>
+          <a:p>
+            <a:pPr algn="ctr"/>
+            <a:r>
+              <a:rPr lang="ko-KR" altLang="en-US" sz="1000" dirty="0" smtClean="0"/>
+              <a:t>뒤</a:t>
+            </a:r>
+            <a:r>
+              <a:rPr lang="ko-KR" altLang="en-US" sz="1000" dirty="0"/>
+              <a:t>로</a:t>
+            </a:r>
+            <a:endParaRPr lang="ko-KR" altLang="en-US" sz="1000" dirty="0"/>
+          </a:p>
+        </p:txBody>
+      </p:sp>
+      <p:sp>
+        <p:nvSpPr>
+          <p:cNvPr id="2" name="TextBox 1"/>
+          <p:cNvSpPr txBox="1"/>
+          <p:nvPr/>
+        </p:nvSpPr>
+        <p:spPr>
+          <a:xfrm>
+            <a:off x="1547664" y="1753930"/>
+            <a:ext cx="1944216" cy="369332"/>
+          </a:xfrm>
+          <a:prstGeom prst="rect">
+            <a:avLst/>
+          </a:prstGeom>
+          <a:noFill/>
+        </p:spPr>
+        <p:txBody>
+          <a:bodyPr wrap="square" rtlCol="0">
+            <a:spAutoFit/>
+          </a:bodyPr>
+          <a:lstStyle/>
+          <a:p>
+            <a:r>
+              <a:rPr lang="ko-KR" altLang="en-US" smtClean="0"/>
+              <a:t>글제목</a:t>
+            </a:r>
+            <a:endParaRPr lang="ko-KR" altLang="en-US" dirty="0"/>
+          </a:p>
+        </p:txBody>
+      </p:sp>
+    </p:spTree>
+    <p:extLst>
+      <p:ext uri="{BB962C8B-B14F-4D97-AF65-F5344CB8AC3E}">
+        <p14:creationId xmlns:p14="http://schemas.microsoft.com/office/powerpoint/2010/main" val="986622670"/>
+      </p:ext>
+    </p:extLst>
+  </p:cSld>
+  <p:clrMapOvr>
+    <a:masterClrMapping/>
+  </p:clrMapOvr>
+</p:sld>
+</file>
+
+<file path=ppt/slides/slide5.xml><?xml version="1.0" encoding="utf-8"?>
+<p:sld xmlns:a="http://schemas.openxmlformats.org/drawingml/2006/main" xmlns:r="http://schemas.openxmlformats.org/officeDocument/2006/relationships" xmlns:p="http://schemas.openxmlformats.org/presentationml/2006/main">
+  <p:cSld>
+    <p:spTree>
+      <p:nvGrpSpPr>
+        <p:cNvPr id="1" name=""/>
+        <p:cNvGrpSpPr/>
+        <p:nvPr/>
+      </p:nvGrpSpPr>
+      <p:grpSpPr>
+        <a:xfrm>
+          <a:off x="0" y="0"/>
+          <a:ext cx="0" cy="0"/>
+          <a:chOff x="0" y="0"/>
+          <a:chExt cx="0" cy="0"/>
+        </a:xfrm>
+      </p:grpSpPr>
+      <p:sp>
+        <p:nvSpPr>
+          <p:cNvPr id="6" name="직사각형 5"/>
+          <p:cNvSpPr/>
+          <p:nvPr/>
+        </p:nvSpPr>
+        <p:spPr>
+          <a:xfrm>
+            <a:off x="0" y="0"/>
+            <a:ext cx="9144000" cy="764704"/>
+          </a:xfrm>
+          <a:prstGeom prst="rect">
+            <a:avLst/>
+          </a:prstGeom>
+          <a:solidFill>
+            <a:schemeClr val="bg2">
+              <a:lumMod val="50000"/>
+            </a:schemeClr>
+          </a:solidFill>
+          <a:ln>
+            <a:solidFill>
+              <a:schemeClr val="bg2">
+                <a:lumMod val="50000"/>
+              </a:schemeClr>
+            </a:solidFill>
+          </a:ln>
+        </p:spPr>
+        <p:style>
+          <a:lnRef idx="2">
+            <a:schemeClr val="accent1">
+              <a:shade val="50000"/>
+            </a:schemeClr>
+          </a:lnRef>
+          <a:fillRef idx="1">
+            <a:schemeClr val="accent1"/>
+          </a:fillRef>
+          <a:effectRef idx="0">
+            <a:schemeClr val="accent1"/>
+          </a:effectRef>
+          <a:fontRef idx="minor">
+            <a:schemeClr val="lt1"/>
+          </a:fontRef>
+        </p:style>
+        <p:txBody>
+          <a:bodyPr rtlCol="0" anchor="ctr"/>
+          <a:lstStyle/>
+          <a:p>
+            <a:pPr algn="ctr"/>
+            <a:endParaRPr lang="ko-KR" altLang="en-US"/>
+          </a:p>
+        </p:txBody>
+      </p:sp>
+      <p:sp>
+        <p:nvSpPr>
+          <p:cNvPr id="7" name="TextBox 6"/>
+          <p:cNvSpPr txBox="1"/>
+          <p:nvPr/>
+        </p:nvSpPr>
+        <p:spPr>
+          <a:xfrm>
+            <a:off x="7020272" y="197686"/>
+            <a:ext cx="2340260" cy="369332"/>
+          </a:xfrm>
+          <a:prstGeom prst="rect">
+            <a:avLst/>
+          </a:prstGeom>
+          <a:noFill/>
+        </p:spPr>
+        <p:txBody>
+          <a:bodyPr wrap="square" rtlCol="0">
+            <a:spAutoFit/>
+          </a:bodyPr>
+          <a:lstStyle/>
+          <a:p>
+            <a:r>
+              <a:rPr lang="en-US" altLang="ko-KR" b="1" dirty="0" err="1" smtClean="0">
+                <a:solidFill>
+                  <a:schemeClr val="bg1"/>
+                </a:solidFill>
+              </a:rPr>
+              <a:t>OpenAPI</a:t>
+            </a:r>
+            <a:r>
+              <a:rPr lang="en-US" altLang="ko-KR" b="1" dirty="0" smtClean="0">
+                <a:solidFill>
+                  <a:schemeClr val="bg1"/>
+                </a:solidFill>
+              </a:rPr>
+              <a:t> OJT</a:t>
+            </a:r>
+            <a:endParaRPr lang="ko-KR" altLang="en-US" b="1" dirty="0">
+              <a:solidFill>
+                <a:schemeClr val="bg1"/>
+              </a:solidFill>
+            </a:endParaRPr>
+          </a:p>
+        </p:txBody>
+      </p:sp>
+      <p:sp>
+        <p:nvSpPr>
+          <p:cNvPr id="9" name="TextBox 8"/>
+          <p:cNvSpPr txBox="1"/>
+          <p:nvPr/>
+        </p:nvSpPr>
+        <p:spPr>
+          <a:xfrm>
+            <a:off x="179512" y="218669"/>
+            <a:ext cx="2952328" cy="369332"/>
+          </a:xfrm>
+          <a:prstGeom prst="rect">
+            <a:avLst/>
+          </a:prstGeom>
+          <a:noFill/>
+        </p:spPr>
+        <p:txBody>
+          <a:bodyPr wrap="square" rtlCol="0">
+            <a:spAutoFit/>
+          </a:bodyPr>
+          <a:lstStyle/>
+          <a:p>
+            <a:r>
+              <a:rPr lang="ko-KR" altLang="en-US" b="1" dirty="0" err="1" smtClean="0">
+                <a:solidFill>
+                  <a:schemeClr val="bg1"/>
+                </a:solidFill>
+              </a:rPr>
+              <a:t>김국민님</a:t>
+            </a:r>
+            <a:r>
+              <a:rPr lang="ko-KR" altLang="en-US" b="1" dirty="0" smtClean="0">
+                <a:solidFill>
+                  <a:schemeClr val="bg1"/>
+                </a:solidFill>
+              </a:rPr>
+              <a:t> 환영합니다</a:t>
+            </a:r>
+            <a:r>
+              <a:rPr lang="en-US" altLang="ko-KR" b="1" dirty="0" smtClean="0">
+                <a:solidFill>
+                  <a:schemeClr val="bg1"/>
+                </a:solidFill>
+              </a:rPr>
+              <a:t>.</a:t>
+            </a:r>
+            <a:endParaRPr lang="ko-KR" altLang="en-US" b="1" dirty="0">
+              <a:solidFill>
+                <a:schemeClr val="bg1"/>
+              </a:solidFill>
+            </a:endParaRPr>
+          </a:p>
+        </p:txBody>
+      </p:sp>
+      <p:sp>
+        <p:nvSpPr>
+          <p:cNvPr id="19" name="직사각형 18"/>
+          <p:cNvSpPr/>
+          <p:nvPr/>
+        </p:nvSpPr>
+        <p:spPr>
+          <a:xfrm>
+            <a:off x="1288388" y="2276872"/>
+            <a:ext cx="6567224" cy="3222427"/>
+          </a:xfrm>
+          <a:prstGeom prst="rect">
+            <a:avLst/>
+          </a:prstGeom>
+          <a:solidFill>
+            <a:schemeClr val="bg1"/>
+          </a:solidFill>
+          <a:ln>
+            <a:solidFill>
+              <a:schemeClr val="bg2">
+                <a:lumMod val="50000"/>
+              </a:schemeClr>
+            </a:solidFill>
+          </a:ln>
+        </p:spPr>
+        <p:style>
+          <a:lnRef idx="2">
+            <a:schemeClr val="accent1">
+              <a:shade val="50000"/>
+            </a:schemeClr>
+          </a:lnRef>
+          <a:fillRef idx="1">
+            <a:schemeClr val="accent1"/>
+          </a:fillRef>
+          <a:effectRef idx="0">
+            <a:schemeClr val="accent1"/>
+          </a:effectRef>
+          <a:fontRef idx="minor">
+            <a:schemeClr val="lt1"/>
+          </a:fontRef>
+        </p:style>
+        <p:txBody>
+          <a:bodyPr rtlCol="0" anchor="ctr"/>
+          <a:lstStyle/>
+          <a:p>
+            <a:pPr algn="ctr"/>
+            <a:endParaRPr lang="ko-KR" altLang="en-US"/>
+          </a:p>
+        </p:txBody>
+      </p:sp>
+      <p:sp>
+        <p:nvSpPr>
+          <p:cNvPr id="23" name="직사각형 22"/>
+          <p:cNvSpPr/>
+          <p:nvPr/>
+        </p:nvSpPr>
+        <p:spPr>
+          <a:xfrm>
+            <a:off x="7236296" y="5622644"/>
+            <a:ext cx="504056" cy="180020"/>
+          </a:xfrm>
+          <a:prstGeom prst="rect">
+            <a:avLst/>
+          </a:prstGeom>
+          <a:solidFill>
+            <a:schemeClr val="bg2">
+              <a:lumMod val="50000"/>
+            </a:schemeClr>
+          </a:solidFill>
+          <a:ln>
+            <a:solidFill>
+              <a:schemeClr val="bg2">
+                <a:lumMod val="50000"/>
+              </a:schemeClr>
+            </a:solidFill>
+          </a:ln>
+        </p:spPr>
+        <p:style>
+          <a:lnRef idx="2">
+            <a:schemeClr val="accent1">
+              <a:shade val="50000"/>
+            </a:schemeClr>
+          </a:lnRef>
+          <a:fillRef idx="1">
+            <a:schemeClr val="accent1"/>
+          </a:fillRef>
+          <a:effectRef idx="0">
+            <a:schemeClr val="accent1"/>
+          </a:effectRef>
+          <a:fontRef idx="minor">
+            <a:schemeClr val="lt1"/>
+          </a:fontRef>
+        </p:style>
+        <p:txBody>
+          <a:bodyPr rtlCol="0" anchor="ctr"/>
+          <a:lstStyle/>
+          <a:p>
+            <a:pPr algn="ctr"/>
+            <a:r>
+              <a:rPr lang="ko-KR" altLang="en-US" sz="1000" dirty="0" smtClean="0"/>
+              <a:t>뒤</a:t>
+            </a:r>
+            <a:r>
+              <a:rPr lang="ko-KR" altLang="en-US" sz="1000" dirty="0"/>
+              <a:t>로</a:t>
+            </a:r>
+            <a:endParaRPr lang="ko-KR" altLang="en-US" sz="1000" dirty="0"/>
+          </a:p>
+        </p:txBody>
+      </p:sp>
+      <p:sp>
+        <p:nvSpPr>
+          <p:cNvPr id="2" name="TextBox 1"/>
+          <p:cNvSpPr txBox="1"/>
+          <p:nvPr/>
+        </p:nvSpPr>
+        <p:spPr>
+          <a:xfrm>
+            <a:off x="3275856" y="1052736"/>
+            <a:ext cx="1800200" cy="369332"/>
+          </a:xfrm>
+          <a:prstGeom prst="rect">
+            <a:avLst/>
+          </a:prstGeom>
+          <a:noFill/>
+        </p:spPr>
+        <p:txBody>
+          <a:bodyPr wrap="square" rtlCol="0">
+            <a:spAutoFit/>
+          </a:bodyPr>
+          <a:lstStyle/>
+          <a:p>
+            <a:r>
+              <a:rPr lang="ko-KR" altLang="en-US" dirty="0" err="1" smtClean="0"/>
+              <a:t>글등록</a:t>
+            </a:r>
+            <a:endParaRPr lang="ko-KR" altLang="en-US" dirty="0"/>
+          </a:p>
+        </p:txBody>
+      </p:sp>
+      <p:sp>
+        <p:nvSpPr>
+          <p:cNvPr id="8" name="직사각형 7"/>
+          <p:cNvSpPr/>
+          <p:nvPr/>
+        </p:nvSpPr>
+        <p:spPr>
+          <a:xfrm>
+            <a:off x="2246118" y="1772815"/>
+            <a:ext cx="5609494" cy="380781"/>
+          </a:xfrm>
+          <a:prstGeom prst="rect">
+            <a:avLst/>
+          </a:prstGeom>
+          <a:solidFill>
+            <a:schemeClr val="bg1"/>
+          </a:solidFill>
+          <a:ln>
+            <a:solidFill>
+              <a:schemeClr val="bg2">
+                <a:lumMod val="50000"/>
+              </a:schemeClr>
+            </a:solidFill>
+          </a:ln>
+        </p:spPr>
+        <p:style>
+          <a:lnRef idx="2">
+            <a:schemeClr val="accent1">
+              <a:shade val="50000"/>
+            </a:schemeClr>
+          </a:lnRef>
+          <a:fillRef idx="1">
+            <a:schemeClr val="accent1"/>
+          </a:fillRef>
+          <a:effectRef idx="0">
+            <a:schemeClr val="accent1"/>
+          </a:effectRef>
+          <a:fontRef idx="minor">
+            <a:schemeClr val="lt1"/>
+          </a:fontRef>
+        </p:style>
+        <p:txBody>
+          <a:bodyPr rtlCol="0" anchor="ctr"/>
+          <a:lstStyle/>
+          <a:p>
+            <a:pPr algn="ctr"/>
+            <a:endParaRPr lang="ko-KR" altLang="en-US"/>
+          </a:p>
+        </p:txBody>
+      </p:sp>
+      <p:sp>
+        <p:nvSpPr>
+          <p:cNvPr id="10" name="TextBox 9"/>
+          <p:cNvSpPr txBox="1"/>
+          <p:nvPr/>
+        </p:nvSpPr>
+        <p:spPr>
+          <a:xfrm>
+            <a:off x="1379464" y="1772815"/>
+            <a:ext cx="1800200" cy="369332"/>
+          </a:xfrm>
+          <a:prstGeom prst="rect">
+            <a:avLst/>
+          </a:prstGeom>
+          <a:noFill/>
+        </p:spPr>
+        <p:txBody>
+          <a:bodyPr wrap="square" rtlCol="0">
+            <a:spAutoFit/>
+          </a:bodyPr>
+          <a:lstStyle/>
+          <a:p>
+            <a:r>
+              <a:rPr lang="ko-KR" altLang="en-US" dirty="0" smtClean="0"/>
+              <a:t>제</a:t>
+            </a:r>
+            <a:r>
+              <a:rPr lang="ko-KR" altLang="en-US" dirty="0"/>
+              <a:t>목</a:t>
+            </a:r>
+          </a:p>
+        </p:txBody>
+      </p:sp>
+    </p:spTree>
+    <p:extLst>
+      <p:ext uri="{BB962C8B-B14F-4D97-AF65-F5344CB8AC3E}">
+        <p14:creationId xmlns:p14="http://schemas.microsoft.com/office/powerpoint/2010/main" val="3688398822"/>
       </p:ext>
     </p:extLst>
   </p:cSld>

--- a/화면 구성/화면구성(미완)_2020-08-19.pptx
+++ b/화면 구성/화면구성(미완)_2020-08-19.pptx
@@ -6,10 +6,11 @@
   </p:sldMasterIdLst>
   <p:sldIdLst>
     <p:sldId id="256" r:id="rId2"/>
-    <p:sldId id="257" r:id="rId3"/>
-    <p:sldId id="258" r:id="rId4"/>
-    <p:sldId id="259" r:id="rId5"/>
-    <p:sldId id="260" r:id="rId6"/>
+    <p:sldId id="258" r:id="rId3"/>
+    <p:sldId id="257" r:id="rId4"/>
+    <p:sldId id="261" r:id="rId5"/>
+    <p:sldId id="259" r:id="rId6"/>
+    <p:sldId id="260" r:id="rId7"/>
   </p:sldIdLst>
   <p:sldSz cx="9144000" cy="6858000" type="screen4x3"/>
   <p:notesSz cx="6858000" cy="9144000"/>
@@ -292,7 +293,7 @@
           <a:p>
             <a:fld id="{F3CA3083-83CA-41AE-BEF8-3883C6E148FB}" type="datetimeFigureOut">
               <a:rPr lang="ko-KR" altLang="en-US" smtClean="0"/>
-              <a:t>2020-08-19</a:t>
+              <a:t>2020-08-26</a:t>
             </a:fld>
             <a:endParaRPr lang="ko-KR" altLang="en-US"/>
           </a:p>
@@ -462,7 +463,7 @@
           <a:p>
             <a:fld id="{F3CA3083-83CA-41AE-BEF8-3883C6E148FB}" type="datetimeFigureOut">
               <a:rPr lang="ko-KR" altLang="en-US" smtClean="0"/>
-              <a:t>2020-08-19</a:t>
+              <a:t>2020-08-26</a:t>
             </a:fld>
             <a:endParaRPr lang="ko-KR" altLang="en-US"/>
           </a:p>
@@ -642,7 +643,7 @@
           <a:p>
             <a:fld id="{F3CA3083-83CA-41AE-BEF8-3883C6E148FB}" type="datetimeFigureOut">
               <a:rPr lang="ko-KR" altLang="en-US" smtClean="0"/>
-              <a:t>2020-08-19</a:t>
+              <a:t>2020-08-26</a:t>
             </a:fld>
             <a:endParaRPr lang="ko-KR" altLang="en-US"/>
           </a:p>
@@ -812,7 +813,7 @@
           <a:p>
             <a:fld id="{F3CA3083-83CA-41AE-BEF8-3883C6E148FB}" type="datetimeFigureOut">
               <a:rPr lang="ko-KR" altLang="en-US" smtClean="0"/>
-              <a:t>2020-08-19</a:t>
+              <a:t>2020-08-26</a:t>
             </a:fld>
             <a:endParaRPr lang="ko-KR" altLang="en-US"/>
           </a:p>
@@ -1058,7 +1059,7 @@
           <a:p>
             <a:fld id="{F3CA3083-83CA-41AE-BEF8-3883C6E148FB}" type="datetimeFigureOut">
               <a:rPr lang="ko-KR" altLang="en-US" smtClean="0"/>
-              <a:t>2020-08-19</a:t>
+              <a:t>2020-08-26</a:t>
             </a:fld>
             <a:endParaRPr lang="ko-KR" altLang="en-US"/>
           </a:p>
@@ -1346,7 +1347,7 @@
           <a:p>
             <a:fld id="{F3CA3083-83CA-41AE-BEF8-3883C6E148FB}" type="datetimeFigureOut">
               <a:rPr lang="ko-KR" altLang="en-US" smtClean="0"/>
-              <a:t>2020-08-19</a:t>
+              <a:t>2020-08-26</a:t>
             </a:fld>
             <a:endParaRPr lang="ko-KR" altLang="en-US"/>
           </a:p>
@@ -1768,7 +1769,7 @@
           <a:p>
             <a:fld id="{F3CA3083-83CA-41AE-BEF8-3883C6E148FB}" type="datetimeFigureOut">
               <a:rPr lang="ko-KR" altLang="en-US" smtClean="0"/>
-              <a:t>2020-08-19</a:t>
+              <a:t>2020-08-26</a:t>
             </a:fld>
             <a:endParaRPr lang="ko-KR" altLang="en-US"/>
           </a:p>
@@ -1886,7 +1887,7 @@
           <a:p>
             <a:fld id="{F3CA3083-83CA-41AE-BEF8-3883C6E148FB}" type="datetimeFigureOut">
               <a:rPr lang="ko-KR" altLang="en-US" smtClean="0"/>
-              <a:t>2020-08-19</a:t>
+              <a:t>2020-08-26</a:t>
             </a:fld>
             <a:endParaRPr lang="ko-KR" altLang="en-US"/>
           </a:p>
@@ -1981,7 +1982,7 @@
           <a:p>
             <a:fld id="{F3CA3083-83CA-41AE-BEF8-3883C6E148FB}" type="datetimeFigureOut">
               <a:rPr lang="ko-KR" altLang="en-US" smtClean="0"/>
-              <a:t>2020-08-19</a:t>
+              <a:t>2020-08-26</a:t>
             </a:fld>
             <a:endParaRPr lang="ko-KR" altLang="en-US"/>
           </a:p>
@@ -2258,7 +2259,7 @@
           <a:p>
             <a:fld id="{F3CA3083-83CA-41AE-BEF8-3883C6E148FB}" type="datetimeFigureOut">
               <a:rPr lang="ko-KR" altLang="en-US" smtClean="0"/>
-              <a:t>2020-08-19</a:t>
+              <a:t>2020-08-26</a:t>
             </a:fld>
             <a:endParaRPr lang="ko-KR" altLang="en-US"/>
           </a:p>
@@ -2511,7 +2512,7 @@
           <a:p>
             <a:fld id="{F3CA3083-83CA-41AE-BEF8-3883C6E148FB}" type="datetimeFigureOut">
               <a:rPr lang="ko-KR" altLang="en-US" smtClean="0"/>
-              <a:t>2020-08-19</a:t>
+              <a:t>2020-08-26</a:t>
             </a:fld>
             <a:endParaRPr lang="ko-KR" altLang="en-US"/>
           </a:p>
@@ -2727,7 +2728,7 @@
           <a:p>
             <a:fld id="{F3CA3083-83CA-41AE-BEF8-3883C6E148FB}" type="datetimeFigureOut">
               <a:rPr lang="ko-KR" altLang="en-US" smtClean="0"/>
-              <a:t>2020-08-19</a:t>
+              <a:t>2020-08-26</a:t>
             </a:fld>
             <a:endParaRPr lang="ko-KR" altLang="en-US"/>
           </a:p>
@@ -3552,7 +3553,7 @@
         <p:spPr>
           <a:xfrm>
             <a:off x="179512" y="218669"/>
-            <a:ext cx="3744416" cy="369332"/>
+            <a:ext cx="2952328" cy="369332"/>
           </a:xfrm>
           <a:prstGeom prst="rect">
             <a:avLst/>
@@ -3587,23 +3588,7 @@
                   <a:schemeClr val="bg1"/>
                 </a:solidFill>
               </a:rPr>
-              <a:t>.(</a:t>
-            </a:r>
-            <a:r>
-              <a:rPr lang="ko-KR" altLang="en-US" b="1" u="sng" dirty="0" smtClean="0">
-                <a:solidFill>
-                  <a:schemeClr val="bg1"/>
-                </a:solidFill>
-              </a:rPr>
-              <a:t>수정하기</a:t>
-            </a:r>
-            <a:r>
-              <a:rPr lang="en-US" altLang="ko-KR" b="1" dirty="0" smtClean="0">
-                <a:solidFill>
-                  <a:schemeClr val="bg1"/>
-                </a:solidFill>
-              </a:rPr>
-              <a:t>)</a:t>
+              <a:t>.</a:t>
             </a:r>
             <a:endParaRPr lang="ko-KR" altLang="en-US" b="1" dirty="0">
               <a:solidFill>
@@ -3615,53 +3600,25 @@
       </p:sp>
       <p:sp>
         <p:nvSpPr>
-          <p:cNvPr id="3" name="TextBox 2"/>
-          <p:cNvSpPr txBox="1"/>
-          <p:nvPr/>
-        </p:nvSpPr>
-        <p:spPr>
-          <a:xfrm>
-            <a:off x="3815916" y="6165304"/>
-            <a:ext cx="1728192" cy="369332"/>
-          </a:xfrm>
-          <a:prstGeom prst="rect">
-            <a:avLst/>
-          </a:prstGeom>
-          <a:noFill/>
-        </p:spPr>
-        <p:txBody>
-          <a:bodyPr wrap="square" rtlCol="0">
-            <a:spAutoFit/>
-          </a:bodyPr>
-          <a:lstStyle/>
-          <a:p>
-            <a:r>
-              <a:rPr lang="en-US" altLang="ko-KR" dirty="0" smtClean="0"/>
-              <a:t>&lt; 1 2 3 4 5 &gt;</a:t>
-            </a:r>
-            <a:endParaRPr lang="ko-KR" altLang="en-US" dirty="0"/>
-          </a:p>
-        </p:txBody>
-      </p:sp>
-      <p:sp>
-        <p:nvSpPr>
-          <p:cNvPr id="10" name="직사각형 9"/>
+          <p:cNvPr id="18" name="직사각형 17"/>
           <p:cNvSpPr/>
           <p:nvPr/>
         </p:nvSpPr>
         <p:spPr>
           <a:xfrm>
-            <a:off x="575556" y="2348880"/>
-            <a:ext cx="7992888" cy="3577885"/>
+            <a:off x="2987824" y="2153597"/>
+            <a:ext cx="2952328" cy="576064"/>
           </a:xfrm>
           <a:prstGeom prst="rect">
             <a:avLst/>
           </a:prstGeom>
-          <a:noFill/>
+          <a:solidFill>
+            <a:schemeClr val="bg1"/>
+          </a:solidFill>
           <a:ln>
             <a:solidFill>
               <a:schemeClr val="bg2">
-                <a:lumMod val="90000"/>
+                <a:lumMod val="50000"/>
               </a:schemeClr>
             </a:solidFill>
           </a:ln>
@@ -3691,410 +3648,278 @@
           </a:p>
         </p:txBody>
       </p:sp>
-      <p:cxnSp>
-        <p:nvCxnSpPr>
-          <p:cNvPr id="14" name="직선 연결선 13"/>
-          <p:cNvCxnSpPr/>
+      <p:sp>
+        <p:nvSpPr>
+          <p:cNvPr id="19" name="직사각형 18"/>
+          <p:cNvSpPr/>
           <p:nvPr/>
-        </p:nvCxnSpPr>
-        <p:spPr>
-          <a:xfrm>
-            <a:off x="575556" y="3068960"/>
-            <a:ext cx="7992888" cy="0"/>
-          </a:xfrm>
-          <a:prstGeom prst="line">
-            <a:avLst/>
-          </a:prstGeom>
+        </p:nvSpPr>
+        <p:spPr>
+          <a:xfrm>
+            <a:off x="2992131" y="3881789"/>
+            <a:ext cx="2952328" cy="576064"/>
+          </a:xfrm>
+          <a:prstGeom prst="rect">
+            <a:avLst/>
+          </a:prstGeom>
+          <a:solidFill>
+            <a:schemeClr val="bg1"/>
+          </a:solidFill>
           <a:ln>
             <a:solidFill>
               <a:schemeClr val="bg2">
-                <a:lumMod val="75000"/>
+                <a:lumMod val="50000"/>
               </a:schemeClr>
             </a:solidFill>
           </a:ln>
         </p:spPr>
         <p:style>
-          <a:lnRef idx="1">
-            <a:schemeClr val="accent1"/>
+          <a:lnRef idx="2">
+            <a:schemeClr val="accent1">
+              <a:shade val="50000"/>
+            </a:schemeClr>
           </a:lnRef>
-          <a:fillRef idx="0">
+          <a:fillRef idx="1">
             <a:schemeClr val="accent1"/>
           </a:fillRef>
           <a:effectRef idx="0">
             <a:schemeClr val="accent1"/>
           </a:effectRef>
           <a:fontRef idx="minor">
-            <a:schemeClr val="tx1"/>
+            <a:schemeClr val="lt1"/>
           </a:fontRef>
         </p:style>
-      </p:cxnSp>
-      <p:cxnSp>
-        <p:nvCxnSpPr>
-          <p:cNvPr id="15" name="직선 연결선 14"/>
-          <p:cNvCxnSpPr/>
+        <p:txBody>
+          <a:bodyPr rtlCol="0" anchor="ctr"/>
+          <a:lstStyle/>
+          <a:p>
+            <a:pPr algn="ctr"/>
+            <a:endParaRPr lang="ko-KR" altLang="en-US"/>
+          </a:p>
+        </p:txBody>
+      </p:sp>
+      <p:sp>
+        <p:nvSpPr>
+          <p:cNvPr id="21" name="직사각형 20"/>
+          <p:cNvSpPr/>
           <p:nvPr/>
-        </p:nvCxnSpPr>
-        <p:spPr>
-          <a:xfrm>
-            <a:off x="563115" y="3799384"/>
-            <a:ext cx="7992888" cy="0"/>
-          </a:xfrm>
-          <a:prstGeom prst="line">
-            <a:avLst/>
-          </a:prstGeom>
+        </p:nvSpPr>
+        <p:spPr>
+          <a:xfrm>
+            <a:off x="4797605" y="5630722"/>
+            <a:ext cx="504056" cy="191987"/>
+          </a:xfrm>
+          <a:prstGeom prst="rect">
+            <a:avLst/>
+          </a:prstGeom>
+          <a:solidFill>
+            <a:schemeClr val="bg2">
+              <a:lumMod val="50000"/>
+            </a:schemeClr>
+          </a:solidFill>
           <a:ln>
             <a:solidFill>
               <a:schemeClr val="bg2">
-                <a:lumMod val="75000"/>
+                <a:lumMod val="50000"/>
               </a:schemeClr>
             </a:solidFill>
           </a:ln>
         </p:spPr>
         <p:style>
-          <a:lnRef idx="1">
-            <a:schemeClr val="accent1"/>
+          <a:lnRef idx="2">
+            <a:schemeClr val="accent1">
+              <a:shade val="50000"/>
+            </a:schemeClr>
           </a:lnRef>
-          <a:fillRef idx="0">
+          <a:fillRef idx="1">
             <a:schemeClr val="accent1"/>
           </a:fillRef>
           <a:effectRef idx="0">
             <a:schemeClr val="accent1"/>
           </a:effectRef>
           <a:fontRef idx="minor">
-            <a:schemeClr val="tx1"/>
+            <a:schemeClr val="lt1"/>
           </a:fontRef>
         </p:style>
-      </p:cxnSp>
-      <p:cxnSp>
-        <p:nvCxnSpPr>
-          <p:cNvPr id="16" name="직선 연결선 15"/>
-          <p:cNvCxnSpPr/>
+        <p:txBody>
+          <a:bodyPr rtlCol="0" anchor="ctr"/>
+          <a:lstStyle/>
+          <a:p>
+            <a:pPr algn="ctr"/>
+            <a:r>
+              <a:rPr lang="ko-KR" altLang="en-US" sz="1000" dirty="0" smtClean="0"/>
+              <a:t>수</a:t>
+            </a:r>
+            <a:r>
+              <a:rPr lang="ko-KR" altLang="en-US" sz="1000" dirty="0"/>
+              <a:t>정</a:t>
+            </a:r>
+          </a:p>
+        </p:txBody>
+      </p:sp>
+      <p:sp>
+        <p:nvSpPr>
+          <p:cNvPr id="23" name="직사각형 22"/>
+          <p:cNvSpPr/>
           <p:nvPr/>
-        </p:nvCxnSpPr>
-        <p:spPr>
-          <a:xfrm>
-            <a:off x="563115" y="4581128"/>
-            <a:ext cx="7992888" cy="0"/>
-          </a:xfrm>
-          <a:prstGeom prst="line">
-            <a:avLst/>
-          </a:prstGeom>
+        </p:nvSpPr>
+        <p:spPr>
+          <a:xfrm>
+            <a:off x="5436096" y="5630722"/>
+            <a:ext cx="504056" cy="180020"/>
+          </a:xfrm>
+          <a:prstGeom prst="rect">
+            <a:avLst/>
+          </a:prstGeom>
+          <a:solidFill>
+            <a:schemeClr val="bg2">
+              <a:lumMod val="50000"/>
+            </a:schemeClr>
+          </a:solidFill>
           <a:ln>
             <a:solidFill>
               <a:schemeClr val="bg2">
-                <a:lumMod val="75000"/>
+                <a:lumMod val="50000"/>
               </a:schemeClr>
             </a:solidFill>
           </a:ln>
         </p:spPr>
         <p:style>
-          <a:lnRef idx="1">
-            <a:schemeClr val="accent1"/>
+          <a:lnRef idx="2">
+            <a:schemeClr val="accent1">
+              <a:shade val="50000"/>
+            </a:schemeClr>
           </a:lnRef>
-          <a:fillRef idx="0">
+          <a:fillRef idx="1">
             <a:schemeClr val="accent1"/>
           </a:fillRef>
           <a:effectRef idx="0">
             <a:schemeClr val="accent1"/>
           </a:effectRef>
           <a:fontRef idx="minor">
-            <a:schemeClr val="tx1"/>
+            <a:schemeClr val="lt1"/>
           </a:fontRef>
         </p:style>
-      </p:cxnSp>
-      <p:cxnSp>
-        <p:nvCxnSpPr>
-          <p:cNvPr id="17" name="직선 연결선 16"/>
-          <p:cNvCxnSpPr/>
+        <p:txBody>
+          <a:bodyPr rtlCol="0" anchor="ctr"/>
+          <a:lstStyle/>
+          <a:p>
+            <a:pPr algn="ctr"/>
+            <a:r>
+              <a:rPr lang="ko-KR" altLang="en-US" sz="1000" dirty="0" smtClean="0"/>
+              <a:t>취</a:t>
+            </a:r>
+            <a:r>
+              <a:rPr lang="ko-KR" altLang="en-US" sz="1000" dirty="0"/>
+              <a:t>소</a:t>
+            </a:r>
+          </a:p>
+        </p:txBody>
+      </p:sp>
+      <p:sp>
+        <p:nvSpPr>
+          <p:cNvPr id="24" name="직사각형 23"/>
+          <p:cNvSpPr/>
           <p:nvPr/>
-        </p:nvCxnSpPr>
-        <p:spPr>
-          <a:xfrm>
-            <a:off x="560005" y="5279910"/>
-            <a:ext cx="7992888" cy="0"/>
-          </a:xfrm>
-          <a:prstGeom prst="line">
-            <a:avLst/>
-          </a:prstGeom>
+        </p:nvSpPr>
+        <p:spPr>
+          <a:xfrm>
+            <a:off x="2987824" y="4745885"/>
+            <a:ext cx="2952328" cy="576064"/>
+          </a:xfrm>
+          <a:prstGeom prst="rect">
+            <a:avLst/>
+          </a:prstGeom>
+          <a:solidFill>
+            <a:schemeClr val="bg1"/>
+          </a:solidFill>
           <a:ln>
             <a:solidFill>
               <a:schemeClr val="bg2">
-                <a:lumMod val="75000"/>
+                <a:lumMod val="50000"/>
               </a:schemeClr>
             </a:solidFill>
           </a:ln>
         </p:spPr>
         <p:style>
-          <a:lnRef idx="1">
-            <a:schemeClr val="accent1"/>
+          <a:lnRef idx="2">
+            <a:schemeClr val="accent1">
+              <a:shade val="50000"/>
+            </a:schemeClr>
           </a:lnRef>
-          <a:fillRef idx="0">
+          <a:fillRef idx="1">
             <a:schemeClr val="accent1"/>
           </a:fillRef>
           <a:effectRef idx="0">
             <a:schemeClr val="accent1"/>
           </a:effectRef>
           <a:fontRef idx="minor">
-            <a:schemeClr val="tx1"/>
+            <a:schemeClr val="lt1"/>
           </a:fontRef>
         </p:style>
-      </p:cxnSp>
-      <p:cxnSp>
-        <p:nvCxnSpPr>
-          <p:cNvPr id="20" name="직선 연결선 19"/>
-          <p:cNvCxnSpPr/>
+        <p:txBody>
+          <a:bodyPr rtlCol="0" anchor="ctr"/>
+          <a:lstStyle/>
+          <a:p>
+            <a:pPr algn="ctr"/>
+            <a:endParaRPr lang="ko-KR" altLang="en-US"/>
+          </a:p>
+        </p:txBody>
+      </p:sp>
+      <p:sp>
+        <p:nvSpPr>
+          <p:cNvPr id="26" name="직사각형 25"/>
+          <p:cNvSpPr/>
           <p:nvPr/>
-        </p:nvCxnSpPr>
-        <p:spPr>
-          <a:xfrm>
-            <a:off x="1403648" y="2348880"/>
-            <a:ext cx="0" cy="3577885"/>
-          </a:xfrm>
-          <a:prstGeom prst="line">
-            <a:avLst/>
-          </a:prstGeom>
+        </p:nvSpPr>
+        <p:spPr>
+          <a:xfrm>
+            <a:off x="2992131" y="3017693"/>
+            <a:ext cx="2952328" cy="576064"/>
+          </a:xfrm>
+          <a:prstGeom prst="rect">
+            <a:avLst/>
+          </a:prstGeom>
+          <a:solidFill>
+            <a:schemeClr val="bg1"/>
+          </a:solidFill>
           <a:ln>
             <a:solidFill>
               <a:schemeClr val="bg2">
-                <a:lumMod val="75000"/>
+                <a:lumMod val="50000"/>
               </a:schemeClr>
             </a:solidFill>
           </a:ln>
         </p:spPr>
         <p:style>
-          <a:lnRef idx="1">
-            <a:schemeClr val="accent1"/>
+          <a:lnRef idx="2">
+            <a:schemeClr val="accent1">
+              <a:shade val="50000"/>
+            </a:schemeClr>
           </a:lnRef>
-          <a:fillRef idx="0">
+          <a:fillRef idx="1">
             <a:schemeClr val="accent1"/>
           </a:fillRef>
           <a:effectRef idx="0">
             <a:schemeClr val="accent1"/>
           </a:effectRef>
           <a:fontRef idx="minor">
-            <a:schemeClr val="tx1"/>
+            <a:schemeClr val="lt1"/>
           </a:fontRef>
         </p:style>
-      </p:cxnSp>
-      <p:sp>
-        <p:nvSpPr>
-          <p:cNvPr id="22" name="TextBox 21"/>
-          <p:cNvSpPr txBox="1"/>
-          <p:nvPr/>
-        </p:nvSpPr>
-        <p:spPr>
-          <a:xfrm>
-            <a:off x="683568" y="2524254"/>
-            <a:ext cx="720080" cy="369332"/>
-          </a:xfrm>
-          <a:prstGeom prst="rect">
-            <a:avLst/>
-          </a:prstGeom>
-          <a:noFill/>
-        </p:spPr>
-        <p:txBody>
-          <a:bodyPr wrap="square" rtlCol="0">
-            <a:spAutoFit/>
-          </a:bodyPr>
-          <a:lstStyle/>
-          <a:p>
-            <a:r>
-              <a:rPr lang="ko-KR" altLang="en-US" smtClean="0"/>
-              <a:t>번</a:t>
-            </a:r>
-            <a:r>
-              <a:rPr lang="ko-KR" altLang="en-US" dirty="0"/>
-              <a:t>호</a:t>
-            </a:r>
-          </a:p>
-        </p:txBody>
-      </p:sp>
-      <p:sp>
-        <p:nvSpPr>
-          <p:cNvPr id="25" name="TextBox 24"/>
-          <p:cNvSpPr txBox="1"/>
-          <p:nvPr/>
-        </p:nvSpPr>
-        <p:spPr>
-          <a:xfrm>
-            <a:off x="2843808" y="2510581"/>
-            <a:ext cx="796957" cy="369332"/>
-          </a:xfrm>
-          <a:prstGeom prst="rect">
-            <a:avLst/>
-          </a:prstGeom>
-          <a:noFill/>
-        </p:spPr>
-        <p:txBody>
-          <a:bodyPr wrap="square" rtlCol="0">
-            <a:spAutoFit/>
-          </a:bodyPr>
-          <a:lstStyle/>
-          <a:p>
-            <a:r>
-              <a:rPr lang="ko-KR" altLang="en-US" dirty="0" smtClean="0"/>
-              <a:t>제</a:t>
-            </a:r>
-            <a:r>
-              <a:rPr lang="ko-KR" altLang="en-US" dirty="0"/>
-              <a:t>목</a:t>
-            </a:r>
-          </a:p>
-        </p:txBody>
-      </p:sp>
-      <p:cxnSp>
-        <p:nvCxnSpPr>
-          <p:cNvPr id="27" name="직선 연결선 26"/>
-          <p:cNvCxnSpPr/>
-          <p:nvPr/>
-        </p:nvCxnSpPr>
-        <p:spPr>
-          <a:xfrm>
-            <a:off x="5292080" y="2348879"/>
-            <a:ext cx="0" cy="3577885"/>
-          </a:xfrm>
-          <a:prstGeom prst="line">
-            <a:avLst/>
-          </a:prstGeom>
-          <a:ln>
-            <a:solidFill>
-              <a:schemeClr val="bg2">
-                <a:lumMod val="75000"/>
-              </a:schemeClr>
-            </a:solidFill>
-          </a:ln>
-        </p:spPr>
-        <p:style>
-          <a:lnRef idx="1">
-            <a:schemeClr val="accent1"/>
-          </a:lnRef>
-          <a:fillRef idx="0">
-            <a:schemeClr val="accent1"/>
-          </a:fillRef>
-          <a:effectRef idx="0">
-            <a:schemeClr val="accent1"/>
-          </a:effectRef>
-          <a:fontRef idx="minor">
-            <a:schemeClr val="tx1"/>
-          </a:fontRef>
-        </p:style>
-      </p:cxnSp>
-      <p:cxnSp>
-        <p:nvCxnSpPr>
-          <p:cNvPr id="29" name="직선 연결선 28"/>
-          <p:cNvCxnSpPr/>
-          <p:nvPr/>
-        </p:nvCxnSpPr>
-        <p:spPr>
-          <a:xfrm>
-            <a:off x="7596336" y="2348880"/>
-            <a:ext cx="0" cy="3577885"/>
-          </a:xfrm>
-          <a:prstGeom prst="line">
-            <a:avLst/>
-          </a:prstGeom>
-          <a:ln>
-            <a:solidFill>
-              <a:schemeClr val="bg2">
-                <a:lumMod val="75000"/>
-              </a:schemeClr>
-            </a:solidFill>
-          </a:ln>
-        </p:spPr>
-        <p:style>
-          <a:lnRef idx="1">
-            <a:schemeClr val="accent1"/>
-          </a:lnRef>
-          <a:fillRef idx="0">
-            <a:schemeClr val="accent1"/>
-          </a:fillRef>
-          <a:effectRef idx="0">
-            <a:schemeClr val="accent1"/>
-          </a:effectRef>
-          <a:fontRef idx="minor">
-            <a:schemeClr val="tx1"/>
-          </a:fontRef>
-        </p:style>
-      </p:cxnSp>
-      <p:sp>
-        <p:nvSpPr>
-          <p:cNvPr id="31" name="TextBox 30"/>
-          <p:cNvSpPr txBox="1"/>
-          <p:nvPr/>
-        </p:nvSpPr>
-        <p:spPr>
-          <a:xfrm>
-            <a:off x="7596336" y="2510581"/>
-            <a:ext cx="1035900" cy="369332"/>
-          </a:xfrm>
-          <a:prstGeom prst="rect">
-            <a:avLst/>
-          </a:prstGeom>
-          <a:noFill/>
-        </p:spPr>
-        <p:txBody>
-          <a:bodyPr wrap="square" rtlCol="0">
-            <a:spAutoFit/>
-          </a:bodyPr>
-          <a:lstStyle/>
-          <a:p>
-            <a:r>
-              <a:rPr lang="ko-KR" altLang="en-US" dirty="0" smtClean="0"/>
-              <a:t>작성</a:t>
-            </a:r>
-            <a:r>
-              <a:rPr lang="ko-KR" altLang="en-US" dirty="0"/>
-              <a:t>자</a:t>
-            </a:r>
-          </a:p>
-        </p:txBody>
-      </p:sp>
-      <p:sp>
-        <p:nvSpPr>
-          <p:cNvPr id="32" name="TextBox 31"/>
-          <p:cNvSpPr txBox="1"/>
-          <p:nvPr/>
-        </p:nvSpPr>
-        <p:spPr>
-          <a:xfrm>
-            <a:off x="5531884" y="2510581"/>
-            <a:ext cx="1917948" cy="369332"/>
-          </a:xfrm>
-          <a:prstGeom prst="rect">
-            <a:avLst/>
-          </a:prstGeom>
-          <a:noFill/>
-        </p:spPr>
-        <p:txBody>
-          <a:bodyPr wrap="square" rtlCol="0">
-            <a:spAutoFit/>
-          </a:bodyPr>
-          <a:lstStyle/>
-          <a:p>
-            <a:r>
-              <a:rPr lang="ko-KR" altLang="en-US" dirty="0" smtClean="0"/>
-              <a:t>작성일</a:t>
-            </a:r>
-            <a:r>
-              <a:rPr lang="en-US" altLang="ko-KR" dirty="0" smtClean="0"/>
-              <a:t>(</a:t>
-            </a:r>
-            <a:r>
-              <a:rPr lang="ko-KR" altLang="en-US" dirty="0" smtClean="0"/>
-              <a:t>수정일</a:t>
-            </a:r>
-            <a:r>
-              <a:rPr lang="en-US" altLang="ko-KR" dirty="0" smtClean="0"/>
-              <a:t>)</a:t>
-            </a:r>
-            <a:endParaRPr lang="ko-KR" altLang="en-US" dirty="0"/>
+        <p:txBody>
+          <a:bodyPr rtlCol="0" anchor="ctr"/>
+          <a:lstStyle/>
+          <a:p>
+            <a:pPr algn="ctr"/>
+            <a:endParaRPr lang="ko-KR" altLang="en-US"/>
           </a:p>
         </p:txBody>
       </p:sp>
     </p:spTree>
     <p:extLst>
       <p:ext uri="{BB962C8B-B14F-4D97-AF65-F5344CB8AC3E}">
-        <p14:creationId xmlns:p14="http://schemas.microsoft.com/office/powerpoint/2010/main" val="430465185"/>
+        <p14:creationId xmlns:p14="http://schemas.microsoft.com/office/powerpoint/2010/main" val="4227032364"/>
       </p:ext>
     </p:extLst>
   </p:cSld>
@@ -4228,7 +4053,7 @@
         <p:spPr>
           <a:xfrm>
             <a:off x="179512" y="218669"/>
-            <a:ext cx="2952328" cy="369332"/>
+            <a:ext cx="3744416" cy="369332"/>
           </a:xfrm>
           <a:prstGeom prst="rect">
             <a:avLst/>
@@ -4263,7 +4088,23 @@
                   <a:schemeClr val="bg1"/>
                 </a:solidFill>
               </a:rPr>
-              <a:t>.</a:t>
+              <a:t>.(</a:t>
+            </a:r>
+            <a:r>
+              <a:rPr lang="ko-KR" altLang="en-US" b="1" u="sng" dirty="0" smtClean="0">
+                <a:solidFill>
+                  <a:schemeClr val="bg1"/>
+                </a:solidFill>
+              </a:rPr>
+              <a:t>수정하기</a:t>
+            </a:r>
+            <a:r>
+              <a:rPr lang="en-US" altLang="ko-KR" b="1" dirty="0" smtClean="0">
+                <a:solidFill>
+                  <a:schemeClr val="bg1"/>
+                </a:solidFill>
+              </a:rPr>
+              <a:t>)</a:t>
             </a:r>
             <a:endParaRPr lang="ko-KR" altLang="en-US" b="1" dirty="0">
               <a:solidFill>
@@ -4275,25 +4116,53 @@
       </p:sp>
       <p:sp>
         <p:nvSpPr>
-          <p:cNvPr id="18" name="직사각형 17"/>
+          <p:cNvPr id="3" name="TextBox 2"/>
+          <p:cNvSpPr txBox="1"/>
+          <p:nvPr/>
+        </p:nvSpPr>
+        <p:spPr>
+          <a:xfrm>
+            <a:off x="3815916" y="6165304"/>
+            <a:ext cx="1728192" cy="369332"/>
+          </a:xfrm>
+          <a:prstGeom prst="rect">
+            <a:avLst/>
+          </a:prstGeom>
+          <a:noFill/>
+        </p:spPr>
+        <p:txBody>
+          <a:bodyPr wrap="square" rtlCol="0">
+            <a:spAutoFit/>
+          </a:bodyPr>
+          <a:lstStyle/>
+          <a:p>
+            <a:r>
+              <a:rPr lang="en-US" altLang="ko-KR" dirty="0" smtClean="0"/>
+              <a:t>&lt; 1 2 3 4 5 &gt;</a:t>
+            </a:r>
+            <a:endParaRPr lang="ko-KR" altLang="en-US" dirty="0"/>
+          </a:p>
+        </p:txBody>
+      </p:sp>
+      <p:sp>
+        <p:nvSpPr>
+          <p:cNvPr id="10" name="직사각형 9"/>
           <p:cNvSpPr/>
           <p:nvPr/>
         </p:nvSpPr>
         <p:spPr>
           <a:xfrm>
-            <a:off x="2987824" y="2153597"/>
-            <a:ext cx="2952328" cy="576064"/>
+            <a:off x="575556" y="2348880"/>
+            <a:ext cx="7992888" cy="3577885"/>
           </a:xfrm>
           <a:prstGeom prst="rect">
             <a:avLst/>
           </a:prstGeom>
-          <a:solidFill>
-            <a:schemeClr val="bg1"/>
-          </a:solidFill>
+          <a:noFill/>
           <a:ln>
             <a:solidFill>
               <a:schemeClr val="bg2">
-                <a:lumMod val="50000"/>
+                <a:lumMod val="90000"/>
               </a:schemeClr>
             </a:solidFill>
           </a:ln>
@@ -4323,278 +4192,407 @@
           </a:p>
         </p:txBody>
       </p:sp>
-      <p:sp>
-        <p:nvSpPr>
-          <p:cNvPr id="19" name="직사각형 18"/>
-          <p:cNvSpPr/>
+      <p:cxnSp>
+        <p:nvCxnSpPr>
+          <p:cNvPr id="14" name="직선 연결선 13"/>
+          <p:cNvCxnSpPr/>
           <p:nvPr/>
-        </p:nvSpPr>
-        <p:spPr>
-          <a:xfrm>
-            <a:off x="2992131" y="3881789"/>
-            <a:ext cx="2952328" cy="576064"/>
-          </a:xfrm>
-          <a:prstGeom prst="rect">
-            <a:avLst/>
-          </a:prstGeom>
-          <a:solidFill>
-            <a:schemeClr val="bg1"/>
-          </a:solidFill>
+        </p:nvCxnSpPr>
+        <p:spPr>
+          <a:xfrm>
+            <a:off x="575556" y="3068960"/>
+            <a:ext cx="7992888" cy="0"/>
+          </a:xfrm>
+          <a:prstGeom prst="line">
+            <a:avLst/>
+          </a:prstGeom>
           <a:ln>
             <a:solidFill>
               <a:schemeClr val="bg2">
-                <a:lumMod val="50000"/>
+                <a:lumMod val="75000"/>
               </a:schemeClr>
             </a:solidFill>
           </a:ln>
         </p:spPr>
         <p:style>
-          <a:lnRef idx="2">
-            <a:schemeClr val="accent1">
-              <a:shade val="50000"/>
-            </a:schemeClr>
+          <a:lnRef idx="1">
+            <a:schemeClr val="accent1"/>
           </a:lnRef>
-          <a:fillRef idx="1">
+          <a:fillRef idx="0">
             <a:schemeClr val="accent1"/>
           </a:fillRef>
           <a:effectRef idx="0">
             <a:schemeClr val="accent1"/>
           </a:effectRef>
           <a:fontRef idx="minor">
-            <a:schemeClr val="lt1"/>
+            <a:schemeClr val="tx1"/>
           </a:fontRef>
         </p:style>
-        <p:txBody>
-          <a:bodyPr rtlCol="0" anchor="ctr"/>
-          <a:lstStyle/>
-          <a:p>
-            <a:pPr algn="ctr"/>
-            <a:endParaRPr lang="ko-KR" altLang="en-US"/>
-          </a:p>
-        </p:txBody>
-      </p:sp>
-      <p:sp>
-        <p:nvSpPr>
-          <p:cNvPr id="21" name="직사각형 20"/>
-          <p:cNvSpPr/>
+      </p:cxnSp>
+      <p:cxnSp>
+        <p:nvCxnSpPr>
+          <p:cNvPr id="15" name="직선 연결선 14"/>
+          <p:cNvCxnSpPr/>
           <p:nvPr/>
-        </p:nvSpPr>
-        <p:spPr>
-          <a:xfrm>
-            <a:off x="4797605" y="5630722"/>
-            <a:ext cx="504056" cy="191987"/>
-          </a:xfrm>
-          <a:prstGeom prst="rect">
-            <a:avLst/>
-          </a:prstGeom>
-          <a:solidFill>
-            <a:schemeClr val="bg2">
-              <a:lumMod val="50000"/>
-            </a:schemeClr>
-          </a:solidFill>
+        </p:nvCxnSpPr>
+        <p:spPr>
+          <a:xfrm>
+            <a:off x="563115" y="3799384"/>
+            <a:ext cx="7992888" cy="0"/>
+          </a:xfrm>
+          <a:prstGeom prst="line">
+            <a:avLst/>
+          </a:prstGeom>
           <a:ln>
             <a:solidFill>
               <a:schemeClr val="bg2">
-                <a:lumMod val="50000"/>
+                <a:lumMod val="75000"/>
               </a:schemeClr>
             </a:solidFill>
           </a:ln>
         </p:spPr>
         <p:style>
-          <a:lnRef idx="2">
-            <a:schemeClr val="accent1">
-              <a:shade val="50000"/>
-            </a:schemeClr>
+          <a:lnRef idx="1">
+            <a:schemeClr val="accent1"/>
           </a:lnRef>
-          <a:fillRef idx="1">
+          <a:fillRef idx="0">
             <a:schemeClr val="accent1"/>
           </a:fillRef>
           <a:effectRef idx="0">
             <a:schemeClr val="accent1"/>
           </a:effectRef>
           <a:fontRef idx="minor">
-            <a:schemeClr val="lt1"/>
+            <a:schemeClr val="tx1"/>
           </a:fontRef>
         </p:style>
-        <p:txBody>
-          <a:bodyPr rtlCol="0" anchor="ctr"/>
-          <a:lstStyle/>
-          <a:p>
-            <a:pPr algn="ctr"/>
-            <a:r>
-              <a:rPr lang="ko-KR" altLang="en-US" sz="1000" dirty="0" smtClean="0"/>
-              <a:t>수</a:t>
-            </a:r>
-            <a:r>
-              <a:rPr lang="ko-KR" altLang="en-US" sz="1000" dirty="0"/>
-              <a:t>정</a:t>
-            </a:r>
-          </a:p>
-        </p:txBody>
-      </p:sp>
-      <p:sp>
-        <p:nvSpPr>
-          <p:cNvPr id="23" name="직사각형 22"/>
-          <p:cNvSpPr/>
+      </p:cxnSp>
+      <p:cxnSp>
+        <p:nvCxnSpPr>
+          <p:cNvPr id="16" name="직선 연결선 15"/>
+          <p:cNvCxnSpPr/>
           <p:nvPr/>
-        </p:nvSpPr>
-        <p:spPr>
-          <a:xfrm>
-            <a:off x="5436096" y="5630722"/>
-            <a:ext cx="504056" cy="180020"/>
-          </a:xfrm>
-          <a:prstGeom prst="rect">
-            <a:avLst/>
-          </a:prstGeom>
-          <a:solidFill>
-            <a:schemeClr val="bg2">
-              <a:lumMod val="50000"/>
-            </a:schemeClr>
-          </a:solidFill>
+        </p:nvCxnSpPr>
+        <p:spPr>
+          <a:xfrm>
+            <a:off x="563115" y="4581128"/>
+            <a:ext cx="7992888" cy="0"/>
+          </a:xfrm>
+          <a:prstGeom prst="line">
+            <a:avLst/>
+          </a:prstGeom>
           <a:ln>
             <a:solidFill>
               <a:schemeClr val="bg2">
-                <a:lumMod val="50000"/>
+                <a:lumMod val="75000"/>
               </a:schemeClr>
             </a:solidFill>
           </a:ln>
         </p:spPr>
         <p:style>
-          <a:lnRef idx="2">
-            <a:schemeClr val="accent1">
-              <a:shade val="50000"/>
-            </a:schemeClr>
+          <a:lnRef idx="1">
+            <a:schemeClr val="accent1"/>
           </a:lnRef>
-          <a:fillRef idx="1">
+          <a:fillRef idx="0">
             <a:schemeClr val="accent1"/>
           </a:fillRef>
           <a:effectRef idx="0">
             <a:schemeClr val="accent1"/>
           </a:effectRef>
           <a:fontRef idx="minor">
-            <a:schemeClr val="lt1"/>
+            <a:schemeClr val="tx1"/>
           </a:fontRef>
         </p:style>
-        <p:txBody>
-          <a:bodyPr rtlCol="0" anchor="ctr"/>
-          <a:lstStyle/>
-          <a:p>
-            <a:pPr algn="ctr"/>
-            <a:r>
-              <a:rPr lang="ko-KR" altLang="en-US" sz="1000" dirty="0" smtClean="0"/>
-              <a:t>취</a:t>
-            </a:r>
-            <a:r>
-              <a:rPr lang="ko-KR" altLang="en-US" sz="1000" dirty="0"/>
-              <a:t>소</a:t>
-            </a:r>
-          </a:p>
-        </p:txBody>
-      </p:sp>
-      <p:sp>
-        <p:nvSpPr>
-          <p:cNvPr id="24" name="직사각형 23"/>
-          <p:cNvSpPr/>
+      </p:cxnSp>
+      <p:cxnSp>
+        <p:nvCxnSpPr>
+          <p:cNvPr id="17" name="직선 연결선 16"/>
+          <p:cNvCxnSpPr/>
           <p:nvPr/>
-        </p:nvSpPr>
-        <p:spPr>
-          <a:xfrm>
-            <a:off x="2987824" y="4745885"/>
-            <a:ext cx="2952328" cy="576064"/>
-          </a:xfrm>
-          <a:prstGeom prst="rect">
-            <a:avLst/>
-          </a:prstGeom>
-          <a:solidFill>
-            <a:schemeClr val="bg1"/>
-          </a:solidFill>
+        </p:nvCxnSpPr>
+        <p:spPr>
+          <a:xfrm>
+            <a:off x="560005" y="5279910"/>
+            <a:ext cx="7992888" cy="0"/>
+          </a:xfrm>
+          <a:prstGeom prst="line">
+            <a:avLst/>
+          </a:prstGeom>
           <a:ln>
             <a:solidFill>
               <a:schemeClr val="bg2">
-                <a:lumMod val="50000"/>
+                <a:lumMod val="75000"/>
               </a:schemeClr>
             </a:solidFill>
           </a:ln>
         </p:spPr>
         <p:style>
-          <a:lnRef idx="2">
-            <a:schemeClr val="accent1">
-              <a:shade val="50000"/>
-            </a:schemeClr>
+          <a:lnRef idx="1">
+            <a:schemeClr val="accent1"/>
           </a:lnRef>
-          <a:fillRef idx="1">
+          <a:fillRef idx="0">
             <a:schemeClr val="accent1"/>
           </a:fillRef>
           <a:effectRef idx="0">
             <a:schemeClr val="accent1"/>
           </a:effectRef>
           <a:fontRef idx="minor">
-            <a:schemeClr val="lt1"/>
+            <a:schemeClr val="tx1"/>
           </a:fontRef>
         </p:style>
-        <p:txBody>
-          <a:bodyPr rtlCol="0" anchor="ctr"/>
-          <a:lstStyle/>
-          <a:p>
-            <a:pPr algn="ctr"/>
-            <a:endParaRPr lang="ko-KR" altLang="en-US"/>
-          </a:p>
-        </p:txBody>
-      </p:sp>
-      <p:sp>
-        <p:nvSpPr>
-          <p:cNvPr id="26" name="직사각형 25"/>
-          <p:cNvSpPr/>
+      </p:cxnSp>
+      <p:cxnSp>
+        <p:nvCxnSpPr>
+          <p:cNvPr id="20" name="직선 연결선 19"/>
+          <p:cNvCxnSpPr/>
           <p:nvPr/>
-        </p:nvSpPr>
-        <p:spPr>
-          <a:xfrm>
-            <a:off x="2992131" y="3017693"/>
-            <a:ext cx="2952328" cy="576064"/>
-          </a:xfrm>
-          <a:prstGeom prst="rect">
-            <a:avLst/>
-          </a:prstGeom>
-          <a:solidFill>
-            <a:schemeClr val="bg1"/>
-          </a:solidFill>
+        </p:nvCxnSpPr>
+        <p:spPr>
+          <a:xfrm>
+            <a:off x="1403648" y="2348880"/>
+            <a:ext cx="0" cy="3577885"/>
+          </a:xfrm>
+          <a:prstGeom prst="line">
+            <a:avLst/>
+          </a:prstGeom>
           <a:ln>
             <a:solidFill>
               <a:schemeClr val="bg2">
-                <a:lumMod val="50000"/>
+                <a:lumMod val="75000"/>
               </a:schemeClr>
             </a:solidFill>
           </a:ln>
         </p:spPr>
         <p:style>
-          <a:lnRef idx="2">
-            <a:schemeClr val="accent1">
-              <a:shade val="50000"/>
-            </a:schemeClr>
+          <a:lnRef idx="1">
+            <a:schemeClr val="accent1"/>
           </a:lnRef>
-          <a:fillRef idx="1">
+          <a:fillRef idx="0">
             <a:schemeClr val="accent1"/>
           </a:fillRef>
           <a:effectRef idx="0">
             <a:schemeClr val="accent1"/>
           </a:effectRef>
           <a:fontRef idx="minor">
-            <a:schemeClr val="lt1"/>
+            <a:schemeClr val="tx1"/>
           </a:fontRef>
         </p:style>
-        <p:txBody>
-          <a:bodyPr rtlCol="0" anchor="ctr"/>
-          <a:lstStyle/>
-          <a:p>
-            <a:pPr algn="ctr"/>
-            <a:endParaRPr lang="ko-KR" altLang="en-US"/>
+      </p:cxnSp>
+      <p:sp>
+        <p:nvSpPr>
+          <p:cNvPr id="22" name="TextBox 21"/>
+          <p:cNvSpPr txBox="1"/>
+          <p:nvPr/>
+        </p:nvSpPr>
+        <p:spPr>
+          <a:xfrm>
+            <a:off x="683568" y="2524254"/>
+            <a:ext cx="720080" cy="369332"/>
+          </a:xfrm>
+          <a:prstGeom prst="rect">
+            <a:avLst/>
+          </a:prstGeom>
+          <a:noFill/>
+        </p:spPr>
+        <p:txBody>
+          <a:bodyPr wrap="square" rtlCol="0">
+            <a:spAutoFit/>
+          </a:bodyPr>
+          <a:lstStyle/>
+          <a:p>
+            <a:r>
+              <a:rPr lang="ko-KR" altLang="en-US" dirty="0" smtClean="0"/>
+              <a:t>번</a:t>
+            </a:r>
+            <a:r>
+              <a:rPr lang="ko-KR" altLang="en-US" dirty="0"/>
+              <a:t>호</a:t>
+            </a:r>
+          </a:p>
+        </p:txBody>
+      </p:sp>
+      <p:sp>
+        <p:nvSpPr>
+          <p:cNvPr id="25" name="TextBox 24"/>
+          <p:cNvSpPr txBox="1"/>
+          <p:nvPr/>
+        </p:nvSpPr>
+        <p:spPr>
+          <a:xfrm>
+            <a:off x="2843808" y="2510581"/>
+            <a:ext cx="796957" cy="369332"/>
+          </a:xfrm>
+          <a:prstGeom prst="rect">
+            <a:avLst/>
+          </a:prstGeom>
+          <a:noFill/>
+        </p:spPr>
+        <p:txBody>
+          <a:bodyPr wrap="square" rtlCol="0">
+            <a:spAutoFit/>
+          </a:bodyPr>
+          <a:lstStyle/>
+          <a:p>
+            <a:r>
+              <a:rPr lang="ko-KR" altLang="en-US" dirty="0" smtClean="0"/>
+              <a:t>제목</a:t>
+            </a:r>
+            <a:endParaRPr lang="ko-KR" altLang="en-US" dirty="0"/>
+          </a:p>
+        </p:txBody>
+      </p:sp>
+      <p:cxnSp>
+        <p:nvCxnSpPr>
+          <p:cNvPr id="27" name="직선 연결선 26"/>
+          <p:cNvCxnSpPr/>
+          <p:nvPr/>
+        </p:nvCxnSpPr>
+        <p:spPr>
+          <a:xfrm>
+            <a:off x="5292080" y="2348879"/>
+            <a:ext cx="0" cy="3577885"/>
+          </a:xfrm>
+          <a:prstGeom prst="line">
+            <a:avLst/>
+          </a:prstGeom>
+          <a:ln>
+            <a:solidFill>
+              <a:schemeClr val="bg2">
+                <a:lumMod val="75000"/>
+              </a:schemeClr>
+            </a:solidFill>
+          </a:ln>
+        </p:spPr>
+        <p:style>
+          <a:lnRef idx="1">
+            <a:schemeClr val="accent1"/>
+          </a:lnRef>
+          <a:fillRef idx="0">
+            <a:schemeClr val="accent1"/>
+          </a:fillRef>
+          <a:effectRef idx="0">
+            <a:schemeClr val="accent1"/>
+          </a:effectRef>
+          <a:fontRef idx="minor">
+            <a:schemeClr val="tx1"/>
+          </a:fontRef>
+        </p:style>
+      </p:cxnSp>
+      <p:cxnSp>
+        <p:nvCxnSpPr>
+          <p:cNvPr id="29" name="직선 연결선 28"/>
+          <p:cNvCxnSpPr/>
+          <p:nvPr/>
+        </p:nvCxnSpPr>
+        <p:spPr>
+          <a:xfrm>
+            <a:off x="7596336" y="2348880"/>
+            <a:ext cx="0" cy="3577885"/>
+          </a:xfrm>
+          <a:prstGeom prst="line">
+            <a:avLst/>
+          </a:prstGeom>
+          <a:ln>
+            <a:solidFill>
+              <a:schemeClr val="bg2">
+                <a:lumMod val="75000"/>
+              </a:schemeClr>
+            </a:solidFill>
+          </a:ln>
+        </p:spPr>
+        <p:style>
+          <a:lnRef idx="1">
+            <a:schemeClr val="accent1"/>
+          </a:lnRef>
+          <a:fillRef idx="0">
+            <a:schemeClr val="accent1"/>
+          </a:fillRef>
+          <a:effectRef idx="0">
+            <a:schemeClr val="accent1"/>
+          </a:effectRef>
+          <a:fontRef idx="minor">
+            <a:schemeClr val="tx1"/>
+          </a:fontRef>
+        </p:style>
+      </p:cxnSp>
+      <p:sp>
+        <p:nvSpPr>
+          <p:cNvPr id="31" name="TextBox 30"/>
+          <p:cNvSpPr txBox="1"/>
+          <p:nvPr/>
+        </p:nvSpPr>
+        <p:spPr>
+          <a:xfrm>
+            <a:off x="7596336" y="2510581"/>
+            <a:ext cx="1035900" cy="369332"/>
+          </a:xfrm>
+          <a:prstGeom prst="rect">
+            <a:avLst/>
+          </a:prstGeom>
+          <a:noFill/>
+        </p:spPr>
+        <p:txBody>
+          <a:bodyPr wrap="square" rtlCol="0">
+            <a:spAutoFit/>
+          </a:bodyPr>
+          <a:lstStyle/>
+          <a:p>
+            <a:r>
+              <a:rPr lang="ko-KR" altLang="en-US" dirty="0" smtClean="0"/>
+              <a:t>작성</a:t>
+            </a:r>
+            <a:r>
+              <a:rPr lang="ko-KR" altLang="en-US" dirty="0"/>
+              <a:t>자</a:t>
+            </a:r>
+          </a:p>
+        </p:txBody>
+      </p:sp>
+      <p:sp>
+        <p:nvSpPr>
+          <p:cNvPr id="32" name="TextBox 31"/>
+          <p:cNvSpPr txBox="1"/>
+          <p:nvPr/>
+        </p:nvSpPr>
+        <p:spPr>
+          <a:xfrm>
+            <a:off x="5531884" y="2510581"/>
+            <a:ext cx="1917948" cy="369332"/>
+          </a:xfrm>
+          <a:prstGeom prst="rect">
+            <a:avLst/>
+          </a:prstGeom>
+          <a:noFill/>
+        </p:spPr>
+        <p:txBody>
+          <a:bodyPr wrap="square" rtlCol="0">
+            <a:spAutoFit/>
+          </a:bodyPr>
+          <a:lstStyle/>
+          <a:p>
+            <a:r>
+              <a:rPr lang="ko-KR" altLang="en-US" dirty="0" smtClean="0"/>
+              <a:t>작성일</a:t>
+            </a:r>
+            <a:r>
+              <a:rPr lang="en-US" altLang="ko-KR" dirty="0" smtClean="0"/>
+              <a:t>(</a:t>
+            </a:r>
+            <a:r>
+              <a:rPr lang="ko-KR" altLang="en-US" dirty="0" smtClean="0"/>
+              <a:t>수정일</a:t>
+            </a:r>
+            <a:r>
+              <a:rPr lang="en-US" altLang="ko-KR" dirty="0" smtClean="0"/>
+              <a:t>)</a:t>
+            </a:r>
+            <a:endParaRPr lang="ko-KR" altLang="en-US" dirty="0"/>
           </a:p>
         </p:txBody>
       </p:sp>
     </p:spTree>
     <p:extLst>
       <p:ext uri="{BB962C8B-B14F-4D97-AF65-F5344CB8AC3E}">
-        <p14:creationId xmlns:p14="http://schemas.microsoft.com/office/powerpoint/2010/main" val="4227032364"/>
+        <p14:creationId xmlns:p14="http://schemas.microsoft.com/office/powerpoint/2010/main" val="430465185"/>
       </p:ext>
     </p:extLst>
   </p:cSld>
@@ -4728,7 +4726,7 @@
         <p:spPr>
           <a:xfrm>
             <a:off x="179512" y="218669"/>
-            <a:ext cx="2952328" cy="369332"/>
+            <a:ext cx="3744416" cy="369332"/>
           </a:xfrm>
           <a:prstGeom prst="rect">
             <a:avLst/>
@@ -4763,7 +4761,23 @@
                   <a:schemeClr val="bg1"/>
                 </a:solidFill>
               </a:rPr>
-              <a:t>.</a:t>
+              <a:t>.(</a:t>
+            </a:r>
+            <a:r>
+              <a:rPr lang="ko-KR" altLang="en-US" b="1" u="sng" dirty="0" smtClean="0">
+                <a:solidFill>
+                  <a:schemeClr val="bg1"/>
+                </a:solidFill>
+              </a:rPr>
+              <a:t>수정하기</a:t>
+            </a:r>
+            <a:r>
+              <a:rPr lang="en-US" altLang="ko-KR" b="1" dirty="0" smtClean="0">
+                <a:solidFill>
+                  <a:schemeClr val="bg1"/>
+                </a:solidFill>
+              </a:rPr>
+              <a:t>)</a:t>
             </a:r>
             <a:endParaRPr lang="ko-KR" altLang="en-US" b="1" dirty="0">
               <a:solidFill>
@@ -4775,25 +4789,53 @@
       </p:sp>
       <p:sp>
         <p:nvSpPr>
-          <p:cNvPr id="19" name="직사각형 18"/>
+          <p:cNvPr id="3" name="TextBox 2"/>
+          <p:cNvSpPr txBox="1"/>
+          <p:nvPr/>
+        </p:nvSpPr>
+        <p:spPr>
+          <a:xfrm>
+            <a:off x="3815916" y="6165304"/>
+            <a:ext cx="1728192" cy="369332"/>
+          </a:xfrm>
+          <a:prstGeom prst="rect">
+            <a:avLst/>
+          </a:prstGeom>
+          <a:noFill/>
+        </p:spPr>
+        <p:txBody>
+          <a:bodyPr wrap="square" rtlCol="0">
+            <a:spAutoFit/>
+          </a:bodyPr>
+          <a:lstStyle/>
+          <a:p>
+            <a:r>
+              <a:rPr lang="en-US" altLang="ko-KR" dirty="0" smtClean="0"/>
+              <a:t>&lt; 1 2 3 4 5 &gt;</a:t>
+            </a:r>
+            <a:endParaRPr lang="ko-KR" altLang="en-US" dirty="0"/>
+          </a:p>
+        </p:txBody>
+      </p:sp>
+      <p:sp>
+        <p:nvSpPr>
+          <p:cNvPr id="10" name="직사각형 9"/>
           <p:cNvSpPr/>
           <p:nvPr/>
         </p:nvSpPr>
         <p:spPr>
           <a:xfrm>
-            <a:off x="1288388" y="2276872"/>
-            <a:ext cx="6567224" cy="3222427"/>
+            <a:off x="575556" y="2348880"/>
+            <a:ext cx="7992888" cy="3577885"/>
           </a:xfrm>
           <a:prstGeom prst="rect">
             <a:avLst/>
           </a:prstGeom>
-          <a:solidFill>
-            <a:schemeClr val="bg1"/>
-          </a:solidFill>
+          <a:noFill/>
           <a:ln>
             <a:solidFill>
               <a:schemeClr val="bg2">
-                <a:lumMod val="50000"/>
+                <a:lumMod val="90000"/>
               </a:schemeClr>
             </a:solidFill>
           </a:ln>
@@ -4823,76 +4865,201 @@
           </a:p>
         </p:txBody>
       </p:sp>
-      <p:sp>
-        <p:nvSpPr>
-          <p:cNvPr id="23" name="직사각형 22"/>
-          <p:cNvSpPr/>
+      <p:cxnSp>
+        <p:nvCxnSpPr>
+          <p:cNvPr id="14" name="직선 연결선 13"/>
+          <p:cNvCxnSpPr/>
           <p:nvPr/>
-        </p:nvSpPr>
-        <p:spPr>
-          <a:xfrm>
-            <a:off x="7236296" y="5622644"/>
-            <a:ext cx="504056" cy="180020"/>
-          </a:xfrm>
-          <a:prstGeom prst="rect">
-            <a:avLst/>
-          </a:prstGeom>
-          <a:solidFill>
-            <a:schemeClr val="bg2">
-              <a:lumMod val="50000"/>
-            </a:schemeClr>
-          </a:solidFill>
+        </p:nvCxnSpPr>
+        <p:spPr>
+          <a:xfrm>
+            <a:off x="575556" y="3068960"/>
+            <a:ext cx="7992888" cy="0"/>
+          </a:xfrm>
+          <a:prstGeom prst="line">
+            <a:avLst/>
+          </a:prstGeom>
           <a:ln>
             <a:solidFill>
               <a:schemeClr val="bg2">
-                <a:lumMod val="50000"/>
+                <a:lumMod val="75000"/>
               </a:schemeClr>
             </a:solidFill>
           </a:ln>
         </p:spPr>
         <p:style>
-          <a:lnRef idx="2">
-            <a:schemeClr val="accent1">
-              <a:shade val="50000"/>
-            </a:schemeClr>
+          <a:lnRef idx="1">
+            <a:schemeClr val="accent1"/>
           </a:lnRef>
-          <a:fillRef idx="1">
+          <a:fillRef idx="0">
             <a:schemeClr val="accent1"/>
           </a:fillRef>
           <a:effectRef idx="0">
             <a:schemeClr val="accent1"/>
           </a:effectRef>
           <a:fontRef idx="minor">
-            <a:schemeClr val="lt1"/>
+            <a:schemeClr val="tx1"/>
           </a:fontRef>
         </p:style>
-        <p:txBody>
-          <a:bodyPr rtlCol="0" anchor="ctr"/>
-          <a:lstStyle/>
-          <a:p>
-            <a:pPr algn="ctr"/>
-            <a:r>
-              <a:rPr lang="ko-KR" altLang="en-US" sz="1000" dirty="0" smtClean="0"/>
-              <a:t>뒤</a:t>
-            </a:r>
-            <a:r>
-              <a:rPr lang="ko-KR" altLang="en-US" sz="1000" dirty="0"/>
-              <a:t>로</a:t>
-            </a:r>
-            <a:endParaRPr lang="ko-KR" altLang="en-US" sz="1000" dirty="0"/>
-          </a:p>
-        </p:txBody>
-      </p:sp>
-      <p:sp>
-        <p:nvSpPr>
-          <p:cNvPr id="2" name="TextBox 1"/>
+      </p:cxnSp>
+      <p:cxnSp>
+        <p:nvCxnSpPr>
+          <p:cNvPr id="15" name="직선 연결선 14"/>
+          <p:cNvCxnSpPr/>
+          <p:nvPr/>
+        </p:nvCxnSpPr>
+        <p:spPr>
+          <a:xfrm>
+            <a:off x="563115" y="3799384"/>
+            <a:ext cx="7992888" cy="0"/>
+          </a:xfrm>
+          <a:prstGeom prst="line">
+            <a:avLst/>
+          </a:prstGeom>
+          <a:ln>
+            <a:solidFill>
+              <a:schemeClr val="bg2">
+                <a:lumMod val="75000"/>
+              </a:schemeClr>
+            </a:solidFill>
+          </a:ln>
+        </p:spPr>
+        <p:style>
+          <a:lnRef idx="1">
+            <a:schemeClr val="accent1"/>
+          </a:lnRef>
+          <a:fillRef idx="0">
+            <a:schemeClr val="accent1"/>
+          </a:fillRef>
+          <a:effectRef idx="0">
+            <a:schemeClr val="accent1"/>
+          </a:effectRef>
+          <a:fontRef idx="minor">
+            <a:schemeClr val="tx1"/>
+          </a:fontRef>
+        </p:style>
+      </p:cxnSp>
+      <p:cxnSp>
+        <p:nvCxnSpPr>
+          <p:cNvPr id="16" name="직선 연결선 15"/>
+          <p:cNvCxnSpPr/>
+          <p:nvPr/>
+        </p:nvCxnSpPr>
+        <p:spPr>
+          <a:xfrm>
+            <a:off x="563115" y="4581128"/>
+            <a:ext cx="7992888" cy="0"/>
+          </a:xfrm>
+          <a:prstGeom prst="line">
+            <a:avLst/>
+          </a:prstGeom>
+          <a:ln>
+            <a:solidFill>
+              <a:schemeClr val="bg2">
+                <a:lumMod val="75000"/>
+              </a:schemeClr>
+            </a:solidFill>
+          </a:ln>
+        </p:spPr>
+        <p:style>
+          <a:lnRef idx="1">
+            <a:schemeClr val="accent1"/>
+          </a:lnRef>
+          <a:fillRef idx="0">
+            <a:schemeClr val="accent1"/>
+          </a:fillRef>
+          <a:effectRef idx="0">
+            <a:schemeClr val="accent1"/>
+          </a:effectRef>
+          <a:fontRef idx="minor">
+            <a:schemeClr val="tx1"/>
+          </a:fontRef>
+        </p:style>
+      </p:cxnSp>
+      <p:cxnSp>
+        <p:nvCxnSpPr>
+          <p:cNvPr id="17" name="직선 연결선 16"/>
+          <p:cNvCxnSpPr/>
+          <p:nvPr/>
+        </p:nvCxnSpPr>
+        <p:spPr>
+          <a:xfrm>
+            <a:off x="560005" y="5279910"/>
+            <a:ext cx="7992888" cy="0"/>
+          </a:xfrm>
+          <a:prstGeom prst="line">
+            <a:avLst/>
+          </a:prstGeom>
+          <a:ln>
+            <a:solidFill>
+              <a:schemeClr val="bg2">
+                <a:lumMod val="75000"/>
+              </a:schemeClr>
+            </a:solidFill>
+          </a:ln>
+        </p:spPr>
+        <p:style>
+          <a:lnRef idx="1">
+            <a:schemeClr val="accent1"/>
+          </a:lnRef>
+          <a:fillRef idx="0">
+            <a:schemeClr val="accent1"/>
+          </a:fillRef>
+          <a:effectRef idx="0">
+            <a:schemeClr val="accent1"/>
+          </a:effectRef>
+          <a:fontRef idx="minor">
+            <a:schemeClr val="tx1"/>
+          </a:fontRef>
+        </p:style>
+      </p:cxnSp>
+      <p:cxnSp>
+        <p:nvCxnSpPr>
+          <p:cNvPr id="20" name="직선 연결선 19"/>
+          <p:cNvCxnSpPr/>
+          <p:nvPr/>
+        </p:nvCxnSpPr>
+        <p:spPr>
+          <a:xfrm>
+            <a:off x="2051720" y="2348878"/>
+            <a:ext cx="0" cy="3577885"/>
+          </a:xfrm>
+          <a:prstGeom prst="line">
+            <a:avLst/>
+          </a:prstGeom>
+          <a:ln>
+            <a:solidFill>
+              <a:schemeClr val="bg2">
+                <a:lumMod val="75000"/>
+              </a:schemeClr>
+            </a:solidFill>
+          </a:ln>
+        </p:spPr>
+        <p:style>
+          <a:lnRef idx="1">
+            <a:schemeClr val="accent1"/>
+          </a:lnRef>
+          <a:fillRef idx="0">
+            <a:schemeClr val="accent1"/>
+          </a:fillRef>
+          <a:effectRef idx="0">
+            <a:schemeClr val="accent1"/>
+          </a:effectRef>
+          <a:fontRef idx="minor">
+            <a:schemeClr val="tx1"/>
+          </a:fontRef>
+        </p:style>
+      </p:cxnSp>
+      <p:sp>
+        <p:nvSpPr>
+          <p:cNvPr id="22" name="TextBox 21"/>
           <p:cNvSpPr txBox="1"/>
           <p:nvPr/>
         </p:nvSpPr>
         <p:spPr>
           <a:xfrm>
-            <a:off x="1547664" y="1753930"/>
-            <a:ext cx="1944216" cy="369332"/>
+            <a:off x="755576" y="2510581"/>
+            <a:ext cx="1080120" cy="369332"/>
           </a:xfrm>
           <a:prstGeom prst="rect">
             <a:avLst/>
@@ -4906,8 +5073,175 @@
           <a:lstStyle/>
           <a:p>
             <a:r>
-              <a:rPr lang="ko-KR" altLang="en-US" smtClean="0"/>
-              <a:t>글제목</a:t>
+              <a:rPr lang="ko-KR" altLang="en-US" dirty="0" smtClean="0"/>
+              <a:t>이름</a:t>
+            </a:r>
+            <a:endParaRPr lang="ko-KR" altLang="en-US" dirty="0"/>
+          </a:p>
+        </p:txBody>
+      </p:sp>
+      <p:sp>
+        <p:nvSpPr>
+          <p:cNvPr id="25" name="TextBox 24"/>
+          <p:cNvSpPr txBox="1"/>
+          <p:nvPr/>
+        </p:nvSpPr>
+        <p:spPr>
+          <a:xfrm>
+            <a:off x="2915815" y="2525591"/>
+            <a:ext cx="796957" cy="369332"/>
+          </a:xfrm>
+          <a:prstGeom prst="rect">
+            <a:avLst/>
+          </a:prstGeom>
+          <a:noFill/>
+        </p:spPr>
+        <p:txBody>
+          <a:bodyPr wrap="square" rtlCol="0">
+            <a:spAutoFit/>
+          </a:bodyPr>
+          <a:lstStyle/>
+          <a:p>
+            <a:r>
+              <a:rPr lang="ko-KR" altLang="en-US" dirty="0" smtClean="0"/>
+              <a:t>그룹</a:t>
+            </a:r>
+            <a:endParaRPr lang="ko-KR" altLang="en-US" dirty="0"/>
+          </a:p>
+        </p:txBody>
+      </p:sp>
+      <p:cxnSp>
+        <p:nvCxnSpPr>
+          <p:cNvPr id="27" name="직선 연결선 26"/>
+          <p:cNvCxnSpPr/>
+          <p:nvPr/>
+        </p:nvCxnSpPr>
+        <p:spPr>
+          <a:xfrm>
+            <a:off x="4650600" y="2348880"/>
+            <a:ext cx="0" cy="3577885"/>
+          </a:xfrm>
+          <a:prstGeom prst="line">
+            <a:avLst/>
+          </a:prstGeom>
+          <a:ln>
+            <a:solidFill>
+              <a:schemeClr val="bg2">
+                <a:lumMod val="75000"/>
+              </a:schemeClr>
+            </a:solidFill>
+          </a:ln>
+        </p:spPr>
+        <p:style>
+          <a:lnRef idx="1">
+            <a:schemeClr val="accent1"/>
+          </a:lnRef>
+          <a:fillRef idx="0">
+            <a:schemeClr val="accent1"/>
+          </a:fillRef>
+          <a:effectRef idx="0">
+            <a:schemeClr val="accent1"/>
+          </a:effectRef>
+          <a:fontRef idx="minor">
+            <a:schemeClr val="tx1"/>
+          </a:fontRef>
+        </p:style>
+      </p:cxnSp>
+      <p:cxnSp>
+        <p:nvCxnSpPr>
+          <p:cNvPr id="29" name="직선 연결선 28"/>
+          <p:cNvCxnSpPr/>
+          <p:nvPr/>
+        </p:nvCxnSpPr>
+        <p:spPr>
+          <a:xfrm>
+            <a:off x="7596336" y="2348880"/>
+            <a:ext cx="0" cy="3577885"/>
+          </a:xfrm>
+          <a:prstGeom prst="line">
+            <a:avLst/>
+          </a:prstGeom>
+          <a:ln>
+            <a:solidFill>
+              <a:schemeClr val="bg2">
+                <a:lumMod val="75000"/>
+              </a:schemeClr>
+            </a:solidFill>
+          </a:ln>
+        </p:spPr>
+        <p:style>
+          <a:lnRef idx="1">
+            <a:schemeClr val="accent1"/>
+          </a:lnRef>
+          <a:fillRef idx="0">
+            <a:schemeClr val="accent1"/>
+          </a:fillRef>
+          <a:effectRef idx="0">
+            <a:schemeClr val="accent1"/>
+          </a:effectRef>
+          <a:fontRef idx="minor">
+            <a:schemeClr val="tx1"/>
+          </a:fontRef>
+        </p:style>
+      </p:cxnSp>
+      <p:sp>
+        <p:nvSpPr>
+          <p:cNvPr id="31" name="TextBox 30"/>
+          <p:cNvSpPr txBox="1"/>
+          <p:nvPr/>
+        </p:nvSpPr>
+        <p:spPr>
+          <a:xfrm>
+            <a:off x="7596336" y="2510581"/>
+            <a:ext cx="1035900" cy="369332"/>
+          </a:xfrm>
+          <a:prstGeom prst="rect">
+            <a:avLst/>
+          </a:prstGeom>
+          <a:noFill/>
+        </p:spPr>
+        <p:txBody>
+          <a:bodyPr wrap="square" rtlCol="0">
+            <a:spAutoFit/>
+          </a:bodyPr>
+          <a:lstStyle/>
+          <a:p>
+            <a:r>
+              <a:rPr lang="ko-KR" altLang="en-US" dirty="0" smtClean="0"/>
+              <a:t>작성</a:t>
+            </a:r>
+            <a:r>
+              <a:rPr lang="ko-KR" altLang="en-US" dirty="0"/>
+              <a:t>자</a:t>
+            </a:r>
+          </a:p>
+        </p:txBody>
+      </p:sp>
+      <p:sp>
+        <p:nvSpPr>
+          <p:cNvPr id="32" name="TextBox 31"/>
+          <p:cNvSpPr txBox="1"/>
+          <p:nvPr/>
+        </p:nvSpPr>
+        <p:spPr>
+          <a:xfrm>
+            <a:off x="5916038" y="2510581"/>
+            <a:ext cx="768308" cy="369332"/>
+          </a:xfrm>
+          <a:prstGeom prst="rect">
+            <a:avLst/>
+          </a:prstGeom>
+          <a:noFill/>
+        </p:spPr>
+        <p:txBody>
+          <a:bodyPr wrap="square" rtlCol="0">
+            <a:spAutoFit/>
+          </a:bodyPr>
+          <a:lstStyle/>
+          <a:p>
+            <a:r>
+              <a:rPr lang="ko-KR" altLang="en-US" dirty="0" smtClean="0"/>
+              <a:t>권한</a:t>
             </a:r>
             <a:endParaRPr lang="ko-KR" altLang="en-US" dirty="0"/>
           </a:p>
@@ -4916,7 +5250,7 @@
     </p:spTree>
     <p:extLst>
       <p:ext uri="{BB962C8B-B14F-4D97-AF65-F5344CB8AC3E}">
-        <p14:creationId xmlns:p14="http://schemas.microsoft.com/office/powerpoint/2010/main" val="986622670"/>
+        <p14:creationId xmlns:p14="http://schemas.microsoft.com/office/powerpoint/2010/main" val="611900746"/>
       </p:ext>
     </p:extLst>
   </p:cSld>
@@ -5201,7 +5535,327 @@
               <a:rPr lang="ko-KR" altLang="en-US" sz="1000" dirty="0"/>
               <a:t>로</a:t>
             </a:r>
-            <a:endParaRPr lang="ko-KR" altLang="en-US" sz="1000" dirty="0"/>
+          </a:p>
+        </p:txBody>
+      </p:sp>
+      <p:sp>
+        <p:nvSpPr>
+          <p:cNvPr id="2" name="TextBox 1"/>
+          <p:cNvSpPr txBox="1"/>
+          <p:nvPr/>
+        </p:nvSpPr>
+        <p:spPr>
+          <a:xfrm>
+            <a:off x="1547664" y="1753930"/>
+            <a:ext cx="1944216" cy="369332"/>
+          </a:xfrm>
+          <a:prstGeom prst="rect">
+            <a:avLst/>
+          </a:prstGeom>
+          <a:noFill/>
+        </p:spPr>
+        <p:txBody>
+          <a:bodyPr wrap="square" rtlCol="0">
+            <a:spAutoFit/>
+          </a:bodyPr>
+          <a:lstStyle/>
+          <a:p>
+            <a:r>
+              <a:rPr lang="ko-KR" altLang="en-US" smtClean="0"/>
+              <a:t>글제목</a:t>
+            </a:r>
+            <a:endParaRPr lang="ko-KR" altLang="en-US" dirty="0"/>
+          </a:p>
+        </p:txBody>
+      </p:sp>
+    </p:spTree>
+    <p:extLst>
+      <p:ext uri="{BB962C8B-B14F-4D97-AF65-F5344CB8AC3E}">
+        <p14:creationId xmlns:p14="http://schemas.microsoft.com/office/powerpoint/2010/main" val="986622670"/>
+      </p:ext>
+    </p:extLst>
+  </p:cSld>
+  <p:clrMapOvr>
+    <a:masterClrMapping/>
+  </p:clrMapOvr>
+</p:sld>
+</file>
+
+<file path=ppt/slides/slide6.xml><?xml version="1.0" encoding="utf-8"?>
+<p:sld xmlns:a="http://schemas.openxmlformats.org/drawingml/2006/main" xmlns:r="http://schemas.openxmlformats.org/officeDocument/2006/relationships" xmlns:p="http://schemas.openxmlformats.org/presentationml/2006/main">
+  <p:cSld>
+    <p:spTree>
+      <p:nvGrpSpPr>
+        <p:cNvPr id="1" name=""/>
+        <p:cNvGrpSpPr/>
+        <p:nvPr/>
+      </p:nvGrpSpPr>
+      <p:grpSpPr>
+        <a:xfrm>
+          <a:off x="0" y="0"/>
+          <a:ext cx="0" cy="0"/>
+          <a:chOff x="0" y="0"/>
+          <a:chExt cx="0" cy="0"/>
+        </a:xfrm>
+      </p:grpSpPr>
+      <p:sp>
+        <p:nvSpPr>
+          <p:cNvPr id="6" name="직사각형 5"/>
+          <p:cNvSpPr/>
+          <p:nvPr/>
+        </p:nvSpPr>
+        <p:spPr>
+          <a:xfrm>
+            <a:off x="0" y="0"/>
+            <a:ext cx="9144000" cy="764704"/>
+          </a:xfrm>
+          <a:prstGeom prst="rect">
+            <a:avLst/>
+          </a:prstGeom>
+          <a:solidFill>
+            <a:schemeClr val="bg2">
+              <a:lumMod val="50000"/>
+            </a:schemeClr>
+          </a:solidFill>
+          <a:ln>
+            <a:solidFill>
+              <a:schemeClr val="bg2">
+                <a:lumMod val="50000"/>
+              </a:schemeClr>
+            </a:solidFill>
+          </a:ln>
+        </p:spPr>
+        <p:style>
+          <a:lnRef idx="2">
+            <a:schemeClr val="accent1">
+              <a:shade val="50000"/>
+            </a:schemeClr>
+          </a:lnRef>
+          <a:fillRef idx="1">
+            <a:schemeClr val="accent1"/>
+          </a:fillRef>
+          <a:effectRef idx="0">
+            <a:schemeClr val="accent1"/>
+          </a:effectRef>
+          <a:fontRef idx="minor">
+            <a:schemeClr val="lt1"/>
+          </a:fontRef>
+        </p:style>
+        <p:txBody>
+          <a:bodyPr rtlCol="0" anchor="ctr"/>
+          <a:lstStyle/>
+          <a:p>
+            <a:pPr algn="ctr"/>
+            <a:endParaRPr lang="ko-KR" altLang="en-US"/>
+          </a:p>
+        </p:txBody>
+      </p:sp>
+      <p:sp>
+        <p:nvSpPr>
+          <p:cNvPr id="7" name="TextBox 6"/>
+          <p:cNvSpPr txBox="1"/>
+          <p:nvPr/>
+        </p:nvSpPr>
+        <p:spPr>
+          <a:xfrm>
+            <a:off x="7020272" y="197686"/>
+            <a:ext cx="2340260" cy="369332"/>
+          </a:xfrm>
+          <a:prstGeom prst="rect">
+            <a:avLst/>
+          </a:prstGeom>
+          <a:noFill/>
+        </p:spPr>
+        <p:txBody>
+          <a:bodyPr wrap="square" rtlCol="0">
+            <a:spAutoFit/>
+          </a:bodyPr>
+          <a:lstStyle/>
+          <a:p>
+            <a:r>
+              <a:rPr lang="en-US" altLang="ko-KR" b="1" dirty="0" err="1" smtClean="0">
+                <a:solidFill>
+                  <a:schemeClr val="bg1"/>
+                </a:solidFill>
+              </a:rPr>
+              <a:t>OpenAPI</a:t>
+            </a:r>
+            <a:r>
+              <a:rPr lang="en-US" altLang="ko-KR" b="1" dirty="0" smtClean="0">
+                <a:solidFill>
+                  <a:schemeClr val="bg1"/>
+                </a:solidFill>
+              </a:rPr>
+              <a:t> OJT</a:t>
+            </a:r>
+            <a:endParaRPr lang="ko-KR" altLang="en-US" b="1" dirty="0">
+              <a:solidFill>
+                <a:schemeClr val="bg1"/>
+              </a:solidFill>
+            </a:endParaRPr>
+          </a:p>
+        </p:txBody>
+      </p:sp>
+      <p:sp>
+        <p:nvSpPr>
+          <p:cNvPr id="9" name="TextBox 8"/>
+          <p:cNvSpPr txBox="1"/>
+          <p:nvPr/>
+        </p:nvSpPr>
+        <p:spPr>
+          <a:xfrm>
+            <a:off x="179512" y="218669"/>
+            <a:ext cx="2952328" cy="369332"/>
+          </a:xfrm>
+          <a:prstGeom prst="rect">
+            <a:avLst/>
+          </a:prstGeom>
+          <a:noFill/>
+        </p:spPr>
+        <p:txBody>
+          <a:bodyPr wrap="square" rtlCol="0">
+            <a:spAutoFit/>
+          </a:bodyPr>
+          <a:lstStyle/>
+          <a:p>
+            <a:r>
+              <a:rPr lang="ko-KR" altLang="en-US" b="1" dirty="0" err="1" smtClean="0">
+                <a:solidFill>
+                  <a:schemeClr val="bg1"/>
+                </a:solidFill>
+              </a:rPr>
+              <a:t>김국민님</a:t>
+            </a:r>
+            <a:r>
+              <a:rPr lang="ko-KR" altLang="en-US" b="1" dirty="0" smtClean="0">
+                <a:solidFill>
+                  <a:schemeClr val="bg1"/>
+                </a:solidFill>
+              </a:rPr>
+              <a:t> 환영합니다</a:t>
+            </a:r>
+            <a:r>
+              <a:rPr lang="en-US" altLang="ko-KR" b="1" dirty="0" smtClean="0">
+                <a:solidFill>
+                  <a:schemeClr val="bg1"/>
+                </a:solidFill>
+              </a:rPr>
+              <a:t>.</a:t>
+            </a:r>
+            <a:endParaRPr lang="ko-KR" altLang="en-US" b="1" dirty="0">
+              <a:solidFill>
+                <a:schemeClr val="bg1"/>
+              </a:solidFill>
+            </a:endParaRPr>
+          </a:p>
+        </p:txBody>
+      </p:sp>
+      <p:sp>
+        <p:nvSpPr>
+          <p:cNvPr id="19" name="직사각형 18"/>
+          <p:cNvSpPr/>
+          <p:nvPr/>
+        </p:nvSpPr>
+        <p:spPr>
+          <a:xfrm>
+            <a:off x="1288388" y="2276872"/>
+            <a:ext cx="6567224" cy="3222427"/>
+          </a:xfrm>
+          <a:prstGeom prst="rect">
+            <a:avLst/>
+          </a:prstGeom>
+          <a:solidFill>
+            <a:schemeClr val="bg1"/>
+          </a:solidFill>
+          <a:ln>
+            <a:solidFill>
+              <a:schemeClr val="bg2">
+                <a:lumMod val="50000"/>
+              </a:schemeClr>
+            </a:solidFill>
+          </a:ln>
+        </p:spPr>
+        <p:style>
+          <a:lnRef idx="2">
+            <a:schemeClr val="accent1">
+              <a:shade val="50000"/>
+            </a:schemeClr>
+          </a:lnRef>
+          <a:fillRef idx="1">
+            <a:schemeClr val="accent1"/>
+          </a:fillRef>
+          <a:effectRef idx="0">
+            <a:schemeClr val="accent1"/>
+          </a:effectRef>
+          <a:fontRef idx="minor">
+            <a:schemeClr val="lt1"/>
+          </a:fontRef>
+        </p:style>
+        <p:txBody>
+          <a:bodyPr rtlCol="0" anchor="ctr"/>
+          <a:lstStyle/>
+          <a:p>
+            <a:pPr algn="ctr"/>
+            <a:endParaRPr lang="ko-KR" altLang="en-US"/>
+          </a:p>
+        </p:txBody>
+      </p:sp>
+      <p:sp>
+        <p:nvSpPr>
+          <p:cNvPr id="23" name="직사각형 22"/>
+          <p:cNvSpPr/>
+          <p:nvPr/>
+        </p:nvSpPr>
+        <p:spPr>
+          <a:xfrm>
+            <a:off x="7236296" y="5622644"/>
+            <a:ext cx="504056" cy="180020"/>
+          </a:xfrm>
+          <a:prstGeom prst="rect">
+            <a:avLst/>
+          </a:prstGeom>
+          <a:solidFill>
+            <a:schemeClr val="bg2">
+              <a:lumMod val="50000"/>
+            </a:schemeClr>
+          </a:solidFill>
+          <a:ln>
+            <a:solidFill>
+              <a:schemeClr val="bg2">
+                <a:lumMod val="50000"/>
+              </a:schemeClr>
+            </a:solidFill>
+          </a:ln>
+        </p:spPr>
+        <p:style>
+          <a:lnRef idx="2">
+            <a:schemeClr val="accent1">
+              <a:shade val="50000"/>
+            </a:schemeClr>
+          </a:lnRef>
+          <a:fillRef idx="1">
+            <a:schemeClr val="accent1"/>
+          </a:fillRef>
+          <a:effectRef idx="0">
+            <a:schemeClr val="accent1"/>
+          </a:effectRef>
+          <a:fontRef idx="minor">
+            <a:schemeClr val="lt1"/>
+          </a:fontRef>
+        </p:style>
+        <p:txBody>
+          <a:bodyPr rtlCol="0" anchor="ctr"/>
+          <a:lstStyle/>
+          <a:p>
+            <a:pPr algn="ctr"/>
+            <a:r>
+              <a:rPr lang="ko-KR" altLang="en-US" sz="1000" dirty="0" smtClean="0"/>
+              <a:t>뒤</a:t>
+            </a:r>
+            <a:r>
+              <a:rPr lang="ko-KR" altLang="en-US" sz="1000" dirty="0"/>
+              <a:t>로</a:t>
+            </a:r>
           </a:p>
         </p:txBody>
       </p:sp>

--- a/화면 구성/화면구성(미완)_2020-08-19.pptx
+++ b/화면 구성/화면구성(미완)_2020-08-19.pptx
@@ -293,7 +293,7 @@
           <a:p>
             <a:fld id="{F3CA3083-83CA-41AE-BEF8-3883C6E148FB}" type="datetimeFigureOut">
               <a:rPr lang="ko-KR" altLang="en-US" smtClean="0"/>
-              <a:t>2020-08-26</a:t>
+              <a:t>2020-09-04</a:t>
             </a:fld>
             <a:endParaRPr lang="ko-KR" altLang="en-US"/>
           </a:p>
@@ -463,7 +463,7 @@
           <a:p>
             <a:fld id="{F3CA3083-83CA-41AE-BEF8-3883C6E148FB}" type="datetimeFigureOut">
               <a:rPr lang="ko-KR" altLang="en-US" smtClean="0"/>
-              <a:t>2020-08-26</a:t>
+              <a:t>2020-09-04</a:t>
             </a:fld>
             <a:endParaRPr lang="ko-KR" altLang="en-US"/>
           </a:p>
@@ -643,7 +643,7 @@
           <a:p>
             <a:fld id="{F3CA3083-83CA-41AE-BEF8-3883C6E148FB}" type="datetimeFigureOut">
               <a:rPr lang="ko-KR" altLang="en-US" smtClean="0"/>
-              <a:t>2020-08-26</a:t>
+              <a:t>2020-09-04</a:t>
             </a:fld>
             <a:endParaRPr lang="ko-KR" altLang="en-US"/>
           </a:p>
@@ -813,7 +813,7 @@
           <a:p>
             <a:fld id="{F3CA3083-83CA-41AE-BEF8-3883C6E148FB}" type="datetimeFigureOut">
               <a:rPr lang="ko-KR" altLang="en-US" smtClean="0"/>
-              <a:t>2020-08-26</a:t>
+              <a:t>2020-09-04</a:t>
             </a:fld>
             <a:endParaRPr lang="ko-KR" altLang="en-US"/>
           </a:p>
@@ -1059,7 +1059,7 @@
           <a:p>
             <a:fld id="{F3CA3083-83CA-41AE-BEF8-3883C6E148FB}" type="datetimeFigureOut">
               <a:rPr lang="ko-KR" altLang="en-US" smtClean="0"/>
-              <a:t>2020-08-26</a:t>
+              <a:t>2020-09-04</a:t>
             </a:fld>
             <a:endParaRPr lang="ko-KR" altLang="en-US"/>
           </a:p>
@@ -1347,7 +1347,7 @@
           <a:p>
             <a:fld id="{F3CA3083-83CA-41AE-BEF8-3883C6E148FB}" type="datetimeFigureOut">
               <a:rPr lang="ko-KR" altLang="en-US" smtClean="0"/>
-              <a:t>2020-08-26</a:t>
+              <a:t>2020-09-04</a:t>
             </a:fld>
             <a:endParaRPr lang="ko-KR" altLang="en-US"/>
           </a:p>
@@ -1769,7 +1769,7 @@
           <a:p>
             <a:fld id="{F3CA3083-83CA-41AE-BEF8-3883C6E148FB}" type="datetimeFigureOut">
               <a:rPr lang="ko-KR" altLang="en-US" smtClean="0"/>
-              <a:t>2020-08-26</a:t>
+              <a:t>2020-09-04</a:t>
             </a:fld>
             <a:endParaRPr lang="ko-KR" altLang="en-US"/>
           </a:p>
@@ -1887,7 +1887,7 @@
           <a:p>
             <a:fld id="{F3CA3083-83CA-41AE-BEF8-3883C6E148FB}" type="datetimeFigureOut">
               <a:rPr lang="ko-KR" altLang="en-US" smtClean="0"/>
-              <a:t>2020-08-26</a:t>
+              <a:t>2020-09-04</a:t>
             </a:fld>
             <a:endParaRPr lang="ko-KR" altLang="en-US"/>
           </a:p>
@@ -1982,7 +1982,7 @@
           <a:p>
             <a:fld id="{F3CA3083-83CA-41AE-BEF8-3883C6E148FB}" type="datetimeFigureOut">
               <a:rPr lang="ko-KR" altLang="en-US" smtClean="0"/>
-              <a:t>2020-08-26</a:t>
+              <a:t>2020-09-04</a:t>
             </a:fld>
             <a:endParaRPr lang="ko-KR" altLang="en-US"/>
           </a:p>
@@ -2259,7 +2259,7 @@
           <a:p>
             <a:fld id="{F3CA3083-83CA-41AE-BEF8-3883C6E148FB}" type="datetimeFigureOut">
               <a:rPr lang="ko-KR" altLang="en-US" smtClean="0"/>
-              <a:t>2020-08-26</a:t>
+              <a:t>2020-09-04</a:t>
             </a:fld>
             <a:endParaRPr lang="ko-KR" altLang="en-US"/>
           </a:p>
@@ -2512,7 +2512,7 @@
           <a:p>
             <a:fld id="{F3CA3083-83CA-41AE-BEF8-3883C6E148FB}" type="datetimeFigureOut">
               <a:rPr lang="ko-KR" altLang="en-US" smtClean="0"/>
-              <a:t>2020-08-26</a:t>
+              <a:t>2020-09-04</a:t>
             </a:fld>
             <a:endParaRPr lang="ko-KR" altLang="en-US"/>
           </a:p>
@@ -2728,7 +2728,7 @@
           <a:p>
             <a:fld id="{F3CA3083-83CA-41AE-BEF8-3883C6E148FB}" type="datetimeFigureOut">
               <a:rPr lang="ko-KR" altLang="en-US" smtClean="0"/>
-              <a:t>2020-08-26</a:t>
+              <a:t>2020-09-04</a:t>
             </a:fld>
             <a:endParaRPr lang="ko-KR" altLang="en-US"/>
           </a:p>
